--- a/documents/Presentation.pptx
+++ b/documents/Presentation.pptx
@@ -7,11 +7,13 @@
   <p:sldIdLst>
     <p:sldId id="256" r:id="rId2"/>
     <p:sldId id="257" r:id="rId3"/>
-    <p:sldId id="269" r:id="rId4"/>
-    <p:sldId id="280" r:id="rId5"/>
-    <p:sldId id="286" r:id="rId6"/>
-    <p:sldId id="268" r:id="rId7"/>
-    <p:sldId id="260" r:id="rId8"/>
+    <p:sldId id="286" r:id="rId4"/>
+    <p:sldId id="290" r:id="rId5"/>
+    <p:sldId id="287" r:id="rId6"/>
+    <p:sldId id="288" r:id="rId7"/>
+    <p:sldId id="289" r:id="rId8"/>
+    <p:sldId id="268" r:id="rId9"/>
+    <p:sldId id="260" r:id="rId10"/>
   </p:sldIdLst>
   <p:sldSz cx="12192000" cy="6858000"/>
   <p:notesSz cx="6858000" cy="9144000"/>
@@ -121,17 +123,15 @@
         <p14:section name="Introdução" id="{8B4B22B4-4C0A-4A03-B1F1-F1195C906B9A}">
           <p14:sldIdLst>
             <p14:sldId id="257"/>
-            <p14:sldId id="269"/>
-          </p14:sldIdLst>
-        </p14:section>
-        <p14:section name="Desenvolvimento" id="{174A039C-093F-4F15-8B16-4649ABA97B3C}">
-          <p14:sldIdLst>
-            <p14:sldId id="280"/>
           </p14:sldIdLst>
         </p14:section>
         <p14:section name="Resultados" id="{9EC50390-328D-41A7-9B22-CEEA7D499B06}">
           <p14:sldIdLst>
             <p14:sldId id="286"/>
+            <p14:sldId id="290"/>
+            <p14:sldId id="287"/>
+            <p14:sldId id="288"/>
+            <p14:sldId id="289"/>
           </p14:sldIdLst>
         </p14:section>
         <p14:section name="Conclusão" id="{83BB7F29-B871-4C12-B6FE-D4B19990EBCC}">
@@ -3729,7 +3729,7 @@
           <a:p>
             <a:fld id="{12575099-B3AD-44D7-919B-BCB6DC3E7F21}" type="datetimeFigureOut">
               <a:rPr lang="en-US" dirty="0"/>
-              <a:t>2/12/2025</a:t>
+              <a:t>2/13/2025</a:t>
             </a:fld>
             <a:endParaRPr lang="en-US"/>
           </a:p>
@@ -3936,7 +3936,7 @@
           <a:p>
             <a:fld id="{F18115DA-6CBC-4AEF-A85F-371C66916CF8}" type="datetimeFigureOut">
               <a:rPr lang="en-US" dirty="0"/>
-              <a:t>2/12/2025</a:t>
+              <a:t>2/13/2025</a:t>
             </a:fld>
             <a:endParaRPr lang="en-US"/>
           </a:p>
@@ -4153,7 +4153,7 @@
           <a:p>
             <a:fld id="{2A6007E4-95E8-4ABC-B20B-51235318A487}" type="datetimeFigureOut">
               <a:rPr lang="en-US" dirty="0"/>
-              <a:t>2/12/2025</a:t>
+              <a:t>2/13/2025</a:t>
             </a:fld>
             <a:endParaRPr lang="en-US"/>
           </a:p>
@@ -4360,7 +4360,7 @@
           <a:p>
             <a:fld id="{2A4BF121-2723-4D35-ADA9-215CD054C4BC}" type="datetimeFigureOut">
               <a:rPr lang="en-US" dirty="0"/>
-              <a:t>2/12/2025</a:t>
+              <a:t>2/13/2025</a:t>
             </a:fld>
             <a:endParaRPr lang="en-US"/>
           </a:p>
@@ -4644,7 +4644,7 @@
           <a:p>
             <a:fld id="{C54F54BA-4BC6-480F-839C-951A49B248A9}" type="datetimeFigureOut">
               <a:rPr lang="en-US" dirty="0"/>
-              <a:t>2/12/2025</a:t>
+              <a:t>2/13/2025</a:t>
             </a:fld>
             <a:endParaRPr lang="en-US"/>
           </a:p>
@@ -4923,7 +4923,7 @@
           <a:p>
             <a:fld id="{0F9DD0EA-4726-4440-BF9D-E88296FC3068}" type="datetimeFigureOut">
               <a:rPr lang="en-US" dirty="0"/>
-              <a:t>2/12/2025</a:t>
+              <a:t>2/13/2025</a:t>
             </a:fld>
             <a:endParaRPr lang="en-US"/>
           </a:p>
@@ -5352,7 +5352,7 @@
           <a:p>
             <a:fld id="{19CAD10D-99D1-46B2-A85A-C16850FCF8CF}" type="datetimeFigureOut">
               <a:rPr lang="en-US" dirty="0"/>
-              <a:t>2/12/2025</a:t>
+              <a:t>2/13/2025</a:t>
             </a:fld>
             <a:endParaRPr lang="en-US"/>
           </a:p>
@@ -5497,7 +5497,7 @@
           <a:p>
             <a:fld id="{48C67E51-34D6-4E3D-8F41-CC63EA446EDD}" type="datetimeFigureOut">
               <a:rPr lang="en-US" dirty="0"/>
-              <a:t>2/12/2025</a:t>
+              <a:t>2/13/2025</a:t>
             </a:fld>
             <a:endParaRPr lang="en-US"/>
           </a:p>
@@ -5614,7 +5614,7 @@
           <a:p>
             <a:fld id="{8D49E550-CE3F-497F-B953-7DE0932F91C0}" type="datetimeFigureOut">
               <a:rPr lang="en-US" dirty="0"/>
-              <a:t>2/12/2025</a:t>
+              <a:t>2/13/2025</a:t>
             </a:fld>
             <a:endParaRPr lang="en-US"/>
           </a:p>
@@ -5929,7 +5929,7 @@
           <a:p>
             <a:fld id="{217A0BF4-BAA0-4539-95F2-9C4277F97478}" type="datetimeFigureOut">
               <a:rPr lang="en-US" dirty="0"/>
-              <a:t>2/12/2025</a:t>
+              <a:t>2/13/2025</a:t>
             </a:fld>
             <a:endParaRPr lang="en-US"/>
           </a:p>
@@ -6226,7 +6226,7 @@
           <a:p>
             <a:fld id="{52E9884E-D945-496C-84BE-49C61F78F9EC}" type="datetimeFigureOut">
               <a:rPr lang="en-US" dirty="0"/>
-              <a:t>2/12/2025</a:t>
+              <a:t>2/13/2025</a:t>
             </a:fld>
             <a:endParaRPr lang="en-US"/>
           </a:p>
@@ -6475,7 +6475,7 @@
           <a:p>
             <a:fld id="{CD438618-DEE5-47CF-A8B2-A9E090D503CD}" type="datetimeFigureOut">
               <a:rPr lang="en-US" dirty="0"/>
-              <a:t>2/12/2025</a:t>
+              <a:t>2/13/2025</a:t>
             </a:fld>
             <a:endParaRPr lang="en-US"/>
           </a:p>
@@ -7159,8 +7159,9 @@
                 <a:ea typeface="+mn-lt"/>
                 <a:cs typeface="+mn-lt"/>
               </a:rPr>
-              <a:t>O passeio do cavalo tem como objetivo fazer o cavalo de xadrez percorrer um tabuleiro de xadrez de 8x8 de modo que cada casa do tabuleiro seja visitada exatamente uma vez;</a:t>
-            </a:r>
+              <a:t>Busca Local Melhor - MLSB</a:t>
+            </a:r>
+            <a:endParaRPr lang="pt-BR" dirty="0"/>
           </a:p>
           <a:p>
             <a:r>
@@ -7168,8 +7169,9 @@
                 <a:ea typeface="+mn-lt"/>
                 <a:cs typeface="+mn-lt"/>
               </a:rPr>
-              <a:t>O problema pode ser estendido para tabuleiros de diferentes dimensões e formas;</a:t>
-            </a:r>
+              <a:t>Busca Local Melhor Melhora -MLSBB</a:t>
+            </a:r>
+            <a:endParaRPr lang="pt-BR" dirty="0"/>
           </a:p>
           <a:p>
             <a:r>
@@ -7177,31 +7179,11 @@
                 <a:ea typeface="+mn-lt"/>
                 <a:cs typeface="+mn-lt"/>
               </a:rPr>
-              <a:t>O cavalo se move em forma de "L" (duas casas em uma direção e uma casa perpendicularmente);</a:t>
-            </a:r>
-          </a:p>
-          <a:p>
-            <a:r>
-              <a:rPr lang="pt-BR" dirty="0">
-                <a:ea typeface="+mn-lt"/>
-                <a:cs typeface="+mn-lt"/>
-              </a:rPr>
-              <a:t>A solução do passeio do cavalo pode ser encontrada por meio de força bruta ou de heurística como a de </a:t>
-            </a:r>
-            <a:r>
-              <a:rPr lang="pt-BR" dirty="0" err="1">
-                <a:ea typeface="+mn-lt"/>
-                <a:cs typeface="+mn-lt"/>
-              </a:rPr>
-              <a:t>Wansdorff</a:t>
-            </a:r>
-            <a:r>
-              <a:rPr lang="pt-BR" dirty="0">
-                <a:ea typeface="+mn-lt"/>
-                <a:cs typeface="+mn-lt"/>
-              </a:rPr>
-              <a:t> .</a:t>
-            </a:r>
+              <a:t>Busca Local Monótona Randomizada - NMLRS</a:t>
+            </a:r>
+            <a:endParaRPr lang="pt-BR" dirty="0"/>
+          </a:p>
+          <a:p>
             <a:endParaRPr lang="pt-BR" dirty="0"/>
           </a:p>
         </p:txBody>
@@ -7229,7 +7211,7 @@
           <a:p>
             <a:fld id="{9FBE1B50-9130-47DA-B4F9-EEE798F3A0B6}" type="datetime1">
               <a:rPr lang="en-US" smtClean="0"/>
-              <a:t>2/12/2025</a:t>
+              <a:t>2/13/2025</a:t>
             </a:fld>
             <a:endParaRPr lang="en-US"/>
           </a:p>
@@ -7328,7 +7310,7 @@
           <p:cNvPr id="2" name="Título 1">
             <a:extLst>
               <a:ext uri="{FF2B5EF4-FFF2-40B4-BE49-F238E27FC236}">
-                <a16:creationId xmlns:a16="http://schemas.microsoft.com/office/drawing/2014/main" id="{E7A62A9E-C411-78B0-B6D7-66BA12C68737}"/>
+                <a16:creationId xmlns:a16="http://schemas.microsoft.com/office/drawing/2014/main" id="{959285ED-714D-15DB-DE2E-6588843E90A5}"/>
               </a:ext>
             </a:extLst>
           </p:cNvPr>
@@ -7346,573 +7328,7 @@
           <a:p>
             <a:r>
               <a:rPr lang="pt-BR" dirty="0"/>
-              <a:t>Pontos</a:t>
-            </a:r>
-            <a:r>
-              <a:rPr lang="en-US" dirty="0"/>
-              <a:t> </a:t>
-            </a:r>
-            <a:r>
-              <a:rPr lang="pt-BR" dirty="0" err="1"/>
-              <a:t>positos</a:t>
-            </a:r>
-            <a:r>
-              <a:rPr lang="en-US" dirty="0"/>
-              <a:t> e </a:t>
-            </a:r>
-            <a:r>
-              <a:rPr lang="en-US" dirty="0" err="1"/>
-              <a:t>negativos</a:t>
-            </a:r>
-            <a:endParaRPr lang="pt-BR" dirty="0"/>
-          </a:p>
-        </p:txBody>
-      </p:sp>
-      <p:sp>
-        <p:nvSpPr>
-          <p:cNvPr id="3" name="Espaço Reservado para Conteúdo 2">
-            <a:extLst>
-              <a:ext uri="{FF2B5EF4-FFF2-40B4-BE49-F238E27FC236}">
-                <a16:creationId xmlns:a16="http://schemas.microsoft.com/office/drawing/2014/main" id="{A0A824DE-1396-458D-85D1-532A91E9C44F}"/>
-              </a:ext>
-            </a:extLst>
-          </p:cNvPr>
-          <p:cNvSpPr>
-            <a:spLocks noGrp="1"/>
-          </p:cNvSpPr>
-          <p:nvPr>
-            <p:ph idx="1"/>
-          </p:nvPr>
-        </p:nvSpPr>
-        <p:spPr/>
-        <p:txBody>
-          <a:bodyPr vert="horz" lIns="91440" tIns="45720" rIns="91440" bIns="45720" rtlCol="0" anchor="t">
-            <a:normAutofit/>
-          </a:bodyPr>
-          <a:lstStyle/>
-          <a:p>
-            <a:pPr algn="l" fontAlgn="base">
-              <a:buFont typeface="Arial" panose="020B0604020202020204" pitchFamily="34" charset="0"/>
-              <a:buChar char="•"/>
-            </a:pPr>
-            <a:r>
-              <a:rPr lang="en-US" dirty="0"/>
-              <a:t>A </a:t>
-            </a:r>
-            <a:r>
-              <a:rPr lang="en-US" dirty="0" err="1"/>
-              <a:t>heurísitca</a:t>
-            </a:r>
-            <a:r>
-              <a:rPr lang="en-US" dirty="0"/>
-              <a:t> de </a:t>
-            </a:r>
-            <a:r>
-              <a:rPr lang="en-US" dirty="0" err="1"/>
-              <a:t>Warnsdoff</a:t>
-            </a:r>
-            <a:r>
-              <a:rPr lang="en-US" dirty="0"/>
-              <a:t> </a:t>
-            </a:r>
-            <a:r>
-              <a:rPr lang="en-US" dirty="0" err="1"/>
-              <a:t>implementado</a:t>
-            </a:r>
-            <a:r>
-              <a:rPr lang="en-US" dirty="0"/>
-              <a:t> com um </a:t>
-            </a:r>
-            <a:r>
-              <a:rPr lang="en-US" dirty="0" err="1"/>
-              <a:t>algoritmo</a:t>
-            </a:r>
-            <a:r>
-              <a:rPr lang="en-US" dirty="0"/>
-              <a:t> </a:t>
-            </a:r>
-            <a:r>
-              <a:rPr lang="en-US" dirty="0" err="1"/>
-              <a:t>guloso</a:t>
-            </a:r>
-            <a:r>
-              <a:rPr lang="en-US" dirty="0"/>
-              <a:t> </a:t>
-            </a:r>
-            <a:r>
-              <a:rPr lang="en-US" dirty="0" err="1"/>
-              <a:t>tem</a:t>
-            </a:r>
-            <a:r>
-              <a:rPr lang="en-US" dirty="0"/>
-              <a:t> </a:t>
-            </a:r>
-            <a:r>
-              <a:rPr lang="en-US" dirty="0" err="1"/>
-              <a:t>uma</a:t>
-            </a:r>
-            <a:r>
-              <a:rPr lang="en-US" dirty="0"/>
-              <a:t> </a:t>
-            </a:r>
-            <a:r>
-              <a:rPr lang="en-US" dirty="0" err="1"/>
-              <a:t>solução</a:t>
-            </a:r>
-            <a:r>
-              <a:rPr lang="en-US" dirty="0"/>
-              <a:t> </a:t>
-            </a:r>
-            <a:r>
-              <a:rPr lang="en-US" dirty="0" err="1"/>
-              <a:t>rápida</a:t>
-            </a:r>
-            <a:r>
-              <a:rPr lang="en-US" dirty="0"/>
-              <a:t>, </a:t>
-            </a:r>
-            <a:r>
-              <a:rPr lang="en-US" dirty="0" err="1"/>
-              <a:t>porém</a:t>
-            </a:r>
-            <a:r>
-              <a:rPr lang="en-US" dirty="0"/>
-              <a:t> </a:t>
-            </a:r>
-            <a:r>
-              <a:rPr lang="en-US" dirty="0" err="1"/>
-              <a:t>não</a:t>
-            </a:r>
-            <a:r>
-              <a:rPr lang="en-US" dirty="0"/>
-              <a:t> </a:t>
-            </a:r>
-            <a:r>
-              <a:rPr lang="en-US" dirty="0" err="1"/>
-              <a:t>tem</a:t>
-            </a:r>
-            <a:r>
-              <a:rPr lang="en-US" dirty="0"/>
-              <a:t> </a:t>
-            </a:r>
-            <a:r>
-              <a:rPr lang="en-US" dirty="0" err="1"/>
-              <a:t>solução</a:t>
-            </a:r>
-            <a:r>
-              <a:rPr lang="en-US" dirty="0"/>
-              <a:t> </a:t>
-            </a:r>
-            <a:r>
-              <a:rPr lang="en-US" dirty="0" err="1"/>
-              <a:t>garantida</a:t>
-            </a:r>
-            <a:r>
-              <a:rPr lang="en-US" dirty="0"/>
-              <a:t>;</a:t>
-            </a:r>
-          </a:p>
-          <a:p>
-            <a:pPr algn="l" fontAlgn="base">
-              <a:buFont typeface="Arial" panose="020B0604020202020204" pitchFamily="34" charset="0"/>
-              <a:buChar char="•"/>
-            </a:pPr>
-            <a:r>
-              <a:rPr lang="en-US" dirty="0"/>
-              <a:t>O backtracking </a:t>
-            </a:r>
-            <a:r>
-              <a:rPr lang="en-US" dirty="0" err="1"/>
-              <a:t>devido</a:t>
-            </a:r>
-            <a:r>
-              <a:rPr lang="en-US" dirty="0"/>
-              <a:t> a ser </a:t>
-            </a:r>
-            <a:r>
-              <a:rPr lang="en-US" dirty="0" err="1"/>
-              <a:t>força</a:t>
-            </a:r>
-            <a:r>
-              <a:rPr lang="en-US" dirty="0"/>
-              <a:t> </a:t>
-            </a:r>
-            <a:r>
-              <a:rPr lang="en-US" dirty="0" err="1"/>
-              <a:t>bruta</a:t>
-            </a:r>
-            <a:r>
-              <a:rPr lang="en-US" dirty="0"/>
-              <a:t> </a:t>
-            </a:r>
-            <a:r>
-              <a:rPr lang="en-US" dirty="0" err="1"/>
-              <a:t>terá</a:t>
-            </a:r>
-            <a:r>
-              <a:rPr lang="en-US" dirty="0"/>
-              <a:t> </a:t>
-            </a:r>
-            <a:r>
-              <a:rPr lang="en-US" dirty="0" err="1"/>
-              <a:t>uma</a:t>
-            </a:r>
-            <a:r>
-              <a:rPr lang="en-US" dirty="0"/>
-              <a:t> tempo </a:t>
-            </a:r>
-            <a:r>
-              <a:rPr lang="en-US" dirty="0" err="1"/>
-              <a:t>grande</a:t>
-            </a:r>
-            <a:r>
-              <a:rPr lang="en-US" dirty="0"/>
-              <a:t> e </a:t>
-            </a:r>
-            <a:r>
-              <a:rPr lang="en-US" dirty="0" err="1"/>
-              <a:t>necessitará</a:t>
-            </a:r>
-            <a:r>
-              <a:rPr lang="en-US" dirty="0"/>
-              <a:t> de </a:t>
-            </a:r>
-            <a:r>
-              <a:rPr lang="en-US" dirty="0" err="1"/>
-              <a:t>bastante</a:t>
-            </a:r>
-            <a:r>
-              <a:rPr lang="en-US" dirty="0"/>
-              <a:t> </a:t>
-            </a:r>
-            <a:r>
-              <a:rPr lang="en-US" dirty="0" err="1"/>
-              <a:t>memória</a:t>
-            </a:r>
-            <a:r>
-              <a:rPr lang="en-US" dirty="0"/>
-              <a:t> para resolver, mas </a:t>
-            </a:r>
-            <a:r>
-              <a:rPr lang="en-US" dirty="0" err="1"/>
-              <a:t>garante</a:t>
-            </a:r>
-            <a:r>
-              <a:rPr lang="en-US" dirty="0"/>
-              <a:t> </a:t>
-            </a:r>
-            <a:r>
-              <a:rPr lang="en-US" dirty="0" err="1"/>
-              <a:t>uma</a:t>
-            </a:r>
-            <a:r>
-              <a:rPr lang="en-US" dirty="0"/>
-              <a:t> </a:t>
-            </a:r>
-            <a:r>
-              <a:rPr lang="en-US" dirty="0" err="1"/>
-              <a:t>solução</a:t>
-            </a:r>
-            <a:r>
-              <a:rPr lang="en-US" dirty="0"/>
-              <a:t>;</a:t>
-            </a:r>
-          </a:p>
-          <a:p>
-            <a:pPr algn="l" fontAlgn="base">
-              <a:buFont typeface="Arial" panose="020B0604020202020204" pitchFamily="34" charset="0"/>
-              <a:buChar char="•"/>
-            </a:pPr>
-            <a:r>
-              <a:rPr lang="en-US" dirty="0"/>
-              <a:t>O backtracking </a:t>
-            </a:r>
-            <a:r>
-              <a:rPr lang="en-US" dirty="0" err="1"/>
-              <a:t>utilizando</a:t>
-            </a:r>
-            <a:r>
-              <a:rPr lang="en-US" dirty="0"/>
-              <a:t> </a:t>
-            </a:r>
-            <a:r>
-              <a:rPr lang="en-US" dirty="0" err="1"/>
-              <a:t>uma</a:t>
-            </a:r>
-            <a:r>
-              <a:rPr lang="en-US" dirty="0"/>
-              <a:t> </a:t>
-            </a:r>
-            <a:r>
-              <a:rPr lang="en-US" dirty="0" err="1"/>
-              <a:t>escolha</a:t>
-            </a:r>
-            <a:r>
-              <a:rPr lang="en-US" dirty="0"/>
-              <a:t> </a:t>
-            </a:r>
-            <a:r>
-              <a:rPr lang="en-US" dirty="0" err="1"/>
-              <a:t>aleatório</a:t>
-            </a:r>
-            <a:r>
-              <a:rPr lang="en-US" dirty="0"/>
-              <a:t> </a:t>
-            </a:r>
-            <a:r>
-              <a:rPr lang="en-US" dirty="0" err="1"/>
-              <a:t>tem</a:t>
-            </a:r>
-            <a:r>
-              <a:rPr lang="en-US" dirty="0"/>
-              <a:t> </a:t>
-            </a:r>
-            <a:r>
-              <a:rPr lang="en-US" dirty="0" err="1"/>
-              <a:t>os</a:t>
-            </a:r>
-            <a:r>
-              <a:rPr lang="en-US" dirty="0"/>
-              <a:t> </a:t>
-            </a:r>
-            <a:r>
-              <a:rPr lang="en-US" dirty="0" err="1"/>
-              <a:t>mesmos</a:t>
-            </a:r>
-            <a:r>
-              <a:rPr lang="en-US" dirty="0"/>
-              <a:t> </a:t>
-            </a:r>
-            <a:r>
-              <a:rPr lang="en-US" dirty="0" err="1"/>
-              <a:t>problemas</a:t>
-            </a:r>
-            <a:r>
-              <a:rPr lang="en-US" dirty="0"/>
-              <a:t> do original, </a:t>
-            </a:r>
-            <a:r>
-              <a:rPr lang="en-US" dirty="0" err="1"/>
-              <a:t>contudo</a:t>
-            </a:r>
-            <a:r>
-              <a:rPr lang="en-US" dirty="0"/>
-              <a:t> </a:t>
-            </a:r>
-            <a:r>
-              <a:rPr lang="en-US" dirty="0" err="1"/>
-              <a:t>ocasionalmente</a:t>
-            </a:r>
-            <a:r>
-              <a:rPr lang="en-US" dirty="0"/>
-              <a:t> </a:t>
-            </a:r>
-            <a:r>
-              <a:rPr lang="en-US" dirty="0" err="1"/>
-              <a:t>encontra</a:t>
-            </a:r>
-            <a:r>
-              <a:rPr lang="en-US" dirty="0"/>
-              <a:t> a </a:t>
-            </a:r>
-            <a:r>
-              <a:rPr lang="en-US" dirty="0" err="1"/>
-              <a:t>solução</a:t>
-            </a:r>
-            <a:r>
-              <a:rPr lang="en-US" dirty="0"/>
-              <a:t> </a:t>
-            </a:r>
-            <a:r>
-              <a:rPr lang="en-US" dirty="0" err="1"/>
-              <a:t>devido</a:t>
-            </a:r>
-            <a:r>
-              <a:rPr lang="en-US" dirty="0"/>
-              <a:t> a </a:t>
-            </a:r>
-            <a:r>
-              <a:rPr lang="en-US" dirty="0" err="1"/>
-              <a:t>sorte</a:t>
-            </a:r>
-            <a:r>
-              <a:rPr lang="en-US" dirty="0"/>
-              <a:t>;</a:t>
-            </a:r>
-          </a:p>
-          <a:p>
-            <a:pPr fontAlgn="base"/>
-            <a:r>
-              <a:rPr lang="en-US" dirty="0"/>
-              <a:t>O backtracking </a:t>
-            </a:r>
-            <a:r>
-              <a:rPr lang="en-US" dirty="0" err="1"/>
-              <a:t>utilizando</a:t>
-            </a:r>
-            <a:r>
-              <a:rPr lang="en-US" dirty="0"/>
-              <a:t> a </a:t>
-            </a:r>
-            <a:r>
-              <a:rPr lang="en-US" dirty="0" err="1"/>
-              <a:t>escolha</a:t>
-            </a:r>
-            <a:r>
-              <a:rPr lang="en-US" dirty="0"/>
-              <a:t> de </a:t>
-            </a:r>
-            <a:r>
-              <a:rPr lang="en-US" dirty="0" err="1"/>
-              <a:t>ir</a:t>
-            </a:r>
-            <a:r>
-              <a:rPr lang="en-US" dirty="0"/>
-              <a:t> para a </a:t>
-            </a:r>
-            <a:r>
-              <a:rPr lang="en-US" dirty="0" err="1"/>
-              <a:t>próxima</a:t>
-            </a:r>
-            <a:r>
-              <a:rPr lang="en-US" dirty="0"/>
-              <a:t> </a:t>
-            </a:r>
-            <a:r>
-              <a:rPr lang="en-US" dirty="0" err="1"/>
-              <a:t>posição</a:t>
-            </a:r>
-            <a:r>
-              <a:rPr lang="en-US" dirty="0"/>
-              <a:t> que </a:t>
-            </a:r>
-            <a:r>
-              <a:rPr lang="en-US" dirty="0" err="1"/>
-              <a:t>tiver</a:t>
-            </a:r>
-            <a:r>
-              <a:rPr lang="en-US" dirty="0"/>
-              <a:t> </a:t>
-            </a:r>
-            <a:r>
-              <a:rPr lang="en-US" dirty="0" err="1"/>
-              <a:t>maior</a:t>
-            </a:r>
-            <a:r>
-              <a:rPr lang="en-US" dirty="0"/>
-              <a:t> </a:t>
-            </a:r>
-            <a:r>
-              <a:rPr lang="en-US" dirty="0" err="1"/>
-              <a:t>grau</a:t>
-            </a:r>
-            <a:r>
-              <a:rPr lang="en-US" dirty="0"/>
-              <a:t> de </a:t>
-            </a:r>
-            <a:r>
-              <a:rPr lang="en-US" dirty="0" err="1"/>
-              <a:t>possibilidades</a:t>
-            </a:r>
-            <a:r>
-              <a:rPr lang="en-US" dirty="0"/>
-              <a:t> </a:t>
-            </a:r>
-            <a:r>
-              <a:rPr lang="en-US" dirty="0" err="1"/>
-              <a:t>tem</a:t>
-            </a:r>
-            <a:r>
-              <a:rPr lang="en-US" dirty="0"/>
-              <a:t> </a:t>
-            </a:r>
-            <a:r>
-              <a:rPr lang="en-US" dirty="0" err="1"/>
-              <a:t>os</a:t>
-            </a:r>
-            <a:r>
-              <a:rPr lang="en-US" dirty="0"/>
-              <a:t> </a:t>
-            </a:r>
-            <a:r>
-              <a:rPr lang="en-US" dirty="0" err="1"/>
-              <a:t>mesmos</a:t>
-            </a:r>
-            <a:r>
-              <a:rPr lang="en-US" dirty="0"/>
-              <a:t> </a:t>
-            </a:r>
-            <a:r>
-              <a:rPr lang="en-US" dirty="0" err="1"/>
-              <a:t>problemas</a:t>
-            </a:r>
-            <a:r>
-              <a:rPr lang="en-US" dirty="0"/>
-              <a:t> do original e </a:t>
-            </a:r>
-            <a:r>
-              <a:rPr lang="en-US" dirty="0" err="1"/>
-              <a:t>pior</a:t>
-            </a:r>
-            <a:r>
-              <a:rPr lang="en-US" dirty="0"/>
-              <a:t> </a:t>
-            </a:r>
-            <a:r>
-              <a:rPr lang="en-US" dirty="0" err="1"/>
-              <a:t>desempenho</a:t>
-            </a:r>
-            <a:r>
-              <a:rPr lang="en-US" dirty="0"/>
-              <a:t> </a:t>
-            </a:r>
-            <a:r>
-              <a:rPr lang="en-US" dirty="0" err="1"/>
-              <a:t>devido</a:t>
-            </a:r>
-            <a:r>
-              <a:rPr lang="en-US" dirty="0"/>
-              <a:t> a </a:t>
-            </a:r>
-            <a:r>
-              <a:rPr lang="en-US" dirty="0" err="1"/>
-              <a:t>tendência</a:t>
-            </a:r>
-            <a:r>
-              <a:rPr lang="en-US" dirty="0"/>
-              <a:t> de </a:t>
-            </a:r>
-            <a:r>
-              <a:rPr lang="en-US" dirty="0" err="1"/>
-              <a:t>ir</a:t>
-            </a:r>
-            <a:r>
-              <a:rPr lang="en-US" dirty="0"/>
-              <a:t> para </a:t>
-            </a:r>
-            <a:r>
-              <a:rPr lang="en-US" dirty="0" err="1"/>
-              <a:t>posições</a:t>
-            </a:r>
-            <a:r>
-              <a:rPr lang="en-US" dirty="0"/>
-              <a:t> </a:t>
-            </a:r>
-            <a:r>
-              <a:rPr lang="en-US" dirty="0" err="1"/>
-              <a:t>sem</a:t>
-            </a:r>
-            <a:r>
-              <a:rPr lang="en-US" dirty="0"/>
-              <a:t> </a:t>
-            </a:r>
-            <a:r>
-              <a:rPr lang="en-US" dirty="0" err="1"/>
-              <a:t>saída</a:t>
-            </a:r>
-            <a:r>
-              <a:rPr lang="en-US" dirty="0"/>
-              <a:t>.</a:t>
+              <a:t>Qual a heurística que demandou mais iterações?</a:t>
             </a:r>
           </a:p>
         </p:txBody>
@@ -7922,7 +7338,7 @@
           <p:cNvPr id="4" name="Espaço Reservado para Data 3">
             <a:extLst>
               <a:ext uri="{FF2B5EF4-FFF2-40B4-BE49-F238E27FC236}">
-                <a16:creationId xmlns:a16="http://schemas.microsoft.com/office/drawing/2014/main" id="{77174FB9-A974-FB88-32F9-BC9B37338731}"/>
+                <a16:creationId xmlns:a16="http://schemas.microsoft.com/office/drawing/2014/main" id="{68CBF0E6-A1E3-7498-E688-6BE5BC6E24E7}"/>
               </a:ext>
             </a:extLst>
           </p:cNvPr>
@@ -7938,11 +7354,11 @@
           <a:bodyPr/>
           <a:lstStyle/>
           <a:p>
-            <a:fld id="{B4EA89E8-3B98-4FD1-88D7-71179ABDB4AC}" type="datetime1">
+            <a:fld id="{AF05999E-30D9-41B6-83A9-FA7B6142BB1D}" type="datetime1">
               <a:rPr lang="en-US" smtClean="0"/>
-              <a:t>2/12/2025</a:t>
+              <a:t>2/13/2025</a:t>
             </a:fld>
-            <a:endParaRPr lang="en-US"/>
+            <a:endParaRPr lang="en-US" dirty="0"/>
           </a:p>
         </p:txBody>
       </p:sp>
@@ -7951,7 +7367,7 @@
           <p:cNvPr id="5" name="Espaço Reservado para Rodapé 4">
             <a:extLst>
               <a:ext uri="{FF2B5EF4-FFF2-40B4-BE49-F238E27FC236}">
-                <a16:creationId xmlns:a16="http://schemas.microsoft.com/office/drawing/2014/main" id="{AAA8279A-6988-1224-B19B-F9F009A1BDE1}"/>
+                <a16:creationId xmlns:a16="http://schemas.microsoft.com/office/drawing/2014/main" id="{89734A2D-CBE3-40CF-E984-582E51C16F8E}"/>
               </a:ext>
             </a:extLst>
           </p:cNvPr>
@@ -7980,7 +7396,7 @@
           <p:cNvPr id="6" name="Espaço Reservado para Número de Slide 5">
             <a:extLst>
               <a:ext uri="{FF2B5EF4-FFF2-40B4-BE49-F238E27FC236}">
-                <a16:creationId xmlns:a16="http://schemas.microsoft.com/office/drawing/2014/main" id="{14BE491F-9665-6FB1-1CCD-FAED2E8B8122}"/>
+                <a16:creationId xmlns:a16="http://schemas.microsoft.com/office/drawing/2014/main" id="{FD857389-AF7C-33FB-9220-BC21EBB91144}"/>
               </a:ext>
             </a:extLst>
           </p:cNvPr>
@@ -8000,14 +7416,47 @@
               <a:rPr lang="en-US" smtClean="0"/>
               <a:t>3</a:t>
             </a:fld>
-            <a:endParaRPr lang="en-US"/>
+            <a:endParaRPr lang="en-US" dirty="0"/>
+          </a:p>
+        </p:txBody>
+      </p:sp>
+      <p:sp>
+        <p:nvSpPr>
+          <p:cNvPr id="7" name="Espaço Reservado para Conteúdo 6">
+            <a:extLst>
+              <a:ext uri="{FF2B5EF4-FFF2-40B4-BE49-F238E27FC236}">
+                <a16:creationId xmlns:a16="http://schemas.microsoft.com/office/drawing/2014/main" id="{DED352AA-0C74-32E6-04BF-3AA7A2B8A861}"/>
+              </a:ext>
+            </a:extLst>
+          </p:cNvPr>
+          <p:cNvSpPr>
+            <a:spLocks noGrp="1"/>
+          </p:cNvSpPr>
+          <p:nvPr>
+            <p:ph idx="1"/>
+          </p:nvPr>
+        </p:nvSpPr>
+        <p:spPr>
+          <a:xfrm>
+            <a:off x="700635" y="2293126"/>
+            <a:ext cx="10691265" cy="3636088"/>
+          </a:xfrm>
+        </p:spPr>
+        <p:txBody>
+          <a:bodyPr/>
+          <a:lstStyle/>
+          <a:p>
+            <a:pPr marL="0" indent="0">
+              <a:buNone/>
+            </a:pPr>
+            <a:endParaRPr lang="pt-BR" dirty="0"/>
           </a:p>
         </p:txBody>
       </p:sp>
     </p:spTree>
     <p:extLst>
       <p:ext uri="{BB962C8B-B14F-4D97-AF65-F5344CB8AC3E}">
-        <p14:creationId xmlns:p14="http://schemas.microsoft.com/office/powerpoint/2010/main" val="1839108021"/>
+        <p14:creationId xmlns:p14="http://schemas.microsoft.com/office/powerpoint/2010/main" val="3991824961"/>
       </p:ext>
     </p:extLst>
   </p:cSld>
@@ -8018,6 +7467,748 @@
 </file>
 
 <file path=ppt/slides/slide4.xml><?xml version="1.0" encoding="utf-8"?>
+<p:sld xmlns:a="http://schemas.openxmlformats.org/drawingml/2006/main" xmlns:r="http://schemas.openxmlformats.org/officeDocument/2006/relationships" xmlns:p="http://schemas.openxmlformats.org/presentationml/2006/main">
+  <p:cSld>
+    <p:spTree>
+      <p:nvGrpSpPr>
+        <p:cNvPr id="1" name="">
+          <a:extLst>
+            <a:ext uri="{FF2B5EF4-FFF2-40B4-BE49-F238E27FC236}">
+              <a16:creationId xmlns:a16="http://schemas.microsoft.com/office/drawing/2014/main" id="{B70ED053-6C01-E0AC-16F1-82C819C6F766}"/>
+            </a:ext>
+          </a:extLst>
+        </p:cNvPr>
+        <p:cNvGrpSpPr/>
+        <p:nvPr/>
+      </p:nvGrpSpPr>
+      <p:grpSpPr>
+        <a:xfrm>
+          <a:off x="0" y="0"/>
+          <a:ext cx="0" cy="0"/>
+          <a:chOff x="0" y="0"/>
+          <a:chExt cx="0" cy="0"/>
+        </a:xfrm>
+      </p:grpSpPr>
+      <p:sp>
+        <p:nvSpPr>
+          <p:cNvPr id="2" name="Título 1">
+            <a:extLst>
+              <a:ext uri="{FF2B5EF4-FFF2-40B4-BE49-F238E27FC236}">
+                <a16:creationId xmlns:a16="http://schemas.microsoft.com/office/drawing/2014/main" id="{A3D90F08-6E78-17F2-B191-0A932E2EB397}"/>
+              </a:ext>
+            </a:extLst>
+          </p:cNvPr>
+          <p:cNvSpPr>
+            <a:spLocks noGrp="1"/>
+          </p:cNvSpPr>
+          <p:nvPr>
+            <p:ph type="title"/>
+          </p:nvPr>
+        </p:nvSpPr>
+        <p:spPr/>
+        <p:txBody>
+          <a:bodyPr>
+            <a:normAutofit/>
+          </a:bodyPr>
+          <a:lstStyle/>
+          <a:p>
+            <a:r>
+              <a:rPr lang="pt-BR" b="0" i="0" dirty="0">
+                <a:effectLst/>
+                <a:latin typeface="Arial" panose="020B0604020202020204" pitchFamily="34" charset="0"/>
+              </a:rPr>
+              <a:t>Qual a heurística que demandou mais tempo?</a:t>
+            </a:r>
+            <a:endParaRPr lang="pt-BR" dirty="0"/>
+          </a:p>
+        </p:txBody>
+      </p:sp>
+      <p:sp>
+        <p:nvSpPr>
+          <p:cNvPr id="4" name="Espaço Reservado para Data 3">
+            <a:extLst>
+              <a:ext uri="{FF2B5EF4-FFF2-40B4-BE49-F238E27FC236}">
+                <a16:creationId xmlns:a16="http://schemas.microsoft.com/office/drawing/2014/main" id="{7E0E9352-F2E2-8D19-04B8-7D4C5C7F6E0E}"/>
+              </a:ext>
+            </a:extLst>
+          </p:cNvPr>
+          <p:cNvSpPr>
+            <a:spLocks noGrp="1"/>
+          </p:cNvSpPr>
+          <p:nvPr>
+            <p:ph type="dt" sz="half" idx="10"/>
+          </p:nvPr>
+        </p:nvSpPr>
+        <p:spPr/>
+        <p:txBody>
+          <a:bodyPr/>
+          <a:lstStyle/>
+          <a:p>
+            <a:fld id="{AF05999E-30D9-41B6-83A9-FA7B6142BB1D}" type="datetime1">
+              <a:rPr lang="en-US" smtClean="0"/>
+              <a:t>2/13/2025</a:t>
+            </a:fld>
+            <a:endParaRPr lang="en-US" dirty="0"/>
+          </a:p>
+        </p:txBody>
+      </p:sp>
+      <p:sp>
+        <p:nvSpPr>
+          <p:cNvPr id="5" name="Espaço Reservado para Rodapé 4">
+            <a:extLst>
+              <a:ext uri="{FF2B5EF4-FFF2-40B4-BE49-F238E27FC236}">
+                <a16:creationId xmlns:a16="http://schemas.microsoft.com/office/drawing/2014/main" id="{7DFEEB7E-731B-6600-C3C2-A8A984F1BC32}"/>
+              </a:ext>
+            </a:extLst>
+          </p:cNvPr>
+          <p:cNvSpPr>
+            <a:spLocks noGrp="1"/>
+          </p:cNvSpPr>
+          <p:nvPr>
+            <p:ph type="ftr" sz="quarter" idx="11"/>
+          </p:nvPr>
+        </p:nvSpPr>
+        <p:spPr/>
+        <p:txBody>
+          <a:bodyPr/>
+          <a:lstStyle/>
+          <a:p>
+            <a:r>
+              <a:rPr lang="en-US"/>
+              <a:t>
+              </a:t>
+            </a:r>
+          </a:p>
+        </p:txBody>
+      </p:sp>
+      <p:sp>
+        <p:nvSpPr>
+          <p:cNvPr id="6" name="Espaço Reservado para Número de Slide 5">
+            <a:extLst>
+              <a:ext uri="{FF2B5EF4-FFF2-40B4-BE49-F238E27FC236}">
+                <a16:creationId xmlns:a16="http://schemas.microsoft.com/office/drawing/2014/main" id="{9DE121D1-4988-CF6E-BD15-A2BBC5104388}"/>
+              </a:ext>
+            </a:extLst>
+          </p:cNvPr>
+          <p:cNvSpPr>
+            <a:spLocks noGrp="1"/>
+          </p:cNvSpPr>
+          <p:nvPr>
+            <p:ph type="sldNum" sz="quarter" idx="12"/>
+          </p:nvPr>
+        </p:nvSpPr>
+        <p:spPr/>
+        <p:txBody>
+          <a:bodyPr/>
+          <a:lstStyle/>
+          <a:p>
+            <a:fld id="{E30AF5A0-43BB-4336-8627-9123B9144D80}" type="slidenum">
+              <a:rPr lang="en-US" smtClean="0"/>
+              <a:t>4</a:t>
+            </a:fld>
+            <a:endParaRPr lang="en-US" dirty="0"/>
+          </a:p>
+        </p:txBody>
+      </p:sp>
+      <p:sp>
+        <p:nvSpPr>
+          <p:cNvPr id="7" name="Espaço Reservado para Conteúdo 6">
+            <a:extLst>
+              <a:ext uri="{FF2B5EF4-FFF2-40B4-BE49-F238E27FC236}">
+                <a16:creationId xmlns:a16="http://schemas.microsoft.com/office/drawing/2014/main" id="{FF8A6195-1FF9-9688-CF0E-98A9D8886699}"/>
+              </a:ext>
+            </a:extLst>
+          </p:cNvPr>
+          <p:cNvSpPr>
+            <a:spLocks noGrp="1"/>
+          </p:cNvSpPr>
+          <p:nvPr>
+            <p:ph idx="1"/>
+          </p:nvPr>
+        </p:nvSpPr>
+        <p:spPr>
+          <a:xfrm>
+            <a:off x="700635" y="2293126"/>
+            <a:ext cx="10691265" cy="3636088"/>
+          </a:xfrm>
+        </p:spPr>
+        <p:txBody>
+          <a:bodyPr/>
+          <a:lstStyle/>
+          <a:p>
+            <a:pPr marL="0" indent="0">
+              <a:buNone/>
+            </a:pPr>
+            <a:endParaRPr lang="pt-BR" dirty="0"/>
+          </a:p>
+        </p:txBody>
+      </p:sp>
+    </p:spTree>
+    <p:extLst>
+      <p:ext uri="{BB962C8B-B14F-4D97-AF65-F5344CB8AC3E}">
+        <p14:creationId xmlns:p14="http://schemas.microsoft.com/office/powerpoint/2010/main" val="2627626893"/>
+      </p:ext>
+    </p:extLst>
+  </p:cSld>
+  <p:clrMapOvr>
+    <a:masterClrMapping/>
+  </p:clrMapOvr>
+</p:sld>
+</file>
+
+<file path=ppt/slides/slide5.xml><?xml version="1.0" encoding="utf-8"?>
+<p:sld xmlns:a="http://schemas.openxmlformats.org/drawingml/2006/main" xmlns:r="http://schemas.openxmlformats.org/officeDocument/2006/relationships" xmlns:p="http://schemas.openxmlformats.org/presentationml/2006/main">
+  <p:cSld>
+    <p:spTree>
+      <p:nvGrpSpPr>
+        <p:cNvPr id="1" name="">
+          <a:extLst>
+            <a:ext uri="{FF2B5EF4-FFF2-40B4-BE49-F238E27FC236}">
+              <a16:creationId xmlns:a16="http://schemas.microsoft.com/office/drawing/2014/main" id="{E5258304-CDDF-6BFC-344F-6A2FFFC14679}"/>
+            </a:ext>
+          </a:extLst>
+        </p:cNvPr>
+        <p:cNvGrpSpPr/>
+        <p:nvPr/>
+      </p:nvGrpSpPr>
+      <p:grpSpPr>
+        <a:xfrm>
+          <a:off x="0" y="0"/>
+          <a:ext cx="0" cy="0"/>
+          <a:chOff x="0" y="0"/>
+          <a:chExt cx="0" cy="0"/>
+        </a:xfrm>
+      </p:grpSpPr>
+      <p:sp>
+        <p:nvSpPr>
+          <p:cNvPr id="2" name="Título 1">
+            <a:extLst>
+              <a:ext uri="{FF2B5EF4-FFF2-40B4-BE49-F238E27FC236}">
+                <a16:creationId xmlns:a16="http://schemas.microsoft.com/office/drawing/2014/main" id="{966EE166-0AC3-6883-3E3B-15EB627ED205}"/>
+              </a:ext>
+            </a:extLst>
+          </p:cNvPr>
+          <p:cNvSpPr>
+            <a:spLocks noGrp="1"/>
+          </p:cNvSpPr>
+          <p:nvPr>
+            <p:ph type="title"/>
+          </p:nvPr>
+        </p:nvSpPr>
+        <p:spPr/>
+        <p:txBody>
+          <a:bodyPr/>
+          <a:lstStyle/>
+          <a:p>
+            <a:r>
+              <a:rPr lang="pt-BR" dirty="0"/>
+              <a:t>Qual a heurística que encontrou resultados com maior qualidade?</a:t>
+            </a:r>
+          </a:p>
+        </p:txBody>
+      </p:sp>
+      <p:sp>
+        <p:nvSpPr>
+          <p:cNvPr id="4" name="Espaço Reservado para Data 3">
+            <a:extLst>
+              <a:ext uri="{FF2B5EF4-FFF2-40B4-BE49-F238E27FC236}">
+                <a16:creationId xmlns:a16="http://schemas.microsoft.com/office/drawing/2014/main" id="{938C796E-9EF1-6192-D607-EE9779DC3007}"/>
+              </a:ext>
+            </a:extLst>
+          </p:cNvPr>
+          <p:cNvSpPr>
+            <a:spLocks noGrp="1"/>
+          </p:cNvSpPr>
+          <p:nvPr>
+            <p:ph type="dt" sz="half" idx="10"/>
+          </p:nvPr>
+        </p:nvSpPr>
+        <p:spPr/>
+        <p:txBody>
+          <a:bodyPr/>
+          <a:lstStyle/>
+          <a:p>
+            <a:fld id="{AF05999E-30D9-41B6-83A9-FA7B6142BB1D}" type="datetime1">
+              <a:rPr lang="en-US" smtClean="0"/>
+              <a:t>2/13/2025</a:t>
+            </a:fld>
+            <a:endParaRPr lang="en-US" dirty="0"/>
+          </a:p>
+        </p:txBody>
+      </p:sp>
+      <p:sp>
+        <p:nvSpPr>
+          <p:cNvPr id="5" name="Espaço Reservado para Rodapé 4">
+            <a:extLst>
+              <a:ext uri="{FF2B5EF4-FFF2-40B4-BE49-F238E27FC236}">
+                <a16:creationId xmlns:a16="http://schemas.microsoft.com/office/drawing/2014/main" id="{1E817513-9842-1826-542D-74AAF3A5B1CF}"/>
+              </a:ext>
+            </a:extLst>
+          </p:cNvPr>
+          <p:cNvSpPr>
+            <a:spLocks noGrp="1"/>
+          </p:cNvSpPr>
+          <p:nvPr>
+            <p:ph type="ftr" sz="quarter" idx="11"/>
+          </p:nvPr>
+        </p:nvSpPr>
+        <p:spPr/>
+        <p:txBody>
+          <a:bodyPr/>
+          <a:lstStyle/>
+          <a:p>
+            <a:r>
+              <a:rPr lang="en-US"/>
+              <a:t>
+              </a:t>
+            </a:r>
+          </a:p>
+        </p:txBody>
+      </p:sp>
+      <p:sp>
+        <p:nvSpPr>
+          <p:cNvPr id="6" name="Espaço Reservado para Número de Slide 5">
+            <a:extLst>
+              <a:ext uri="{FF2B5EF4-FFF2-40B4-BE49-F238E27FC236}">
+                <a16:creationId xmlns:a16="http://schemas.microsoft.com/office/drawing/2014/main" id="{237A3E80-40FD-2B7B-7896-0E12ED6BD7FB}"/>
+              </a:ext>
+            </a:extLst>
+          </p:cNvPr>
+          <p:cNvSpPr>
+            <a:spLocks noGrp="1"/>
+          </p:cNvSpPr>
+          <p:nvPr>
+            <p:ph type="sldNum" sz="quarter" idx="12"/>
+          </p:nvPr>
+        </p:nvSpPr>
+        <p:spPr/>
+        <p:txBody>
+          <a:bodyPr/>
+          <a:lstStyle/>
+          <a:p>
+            <a:fld id="{E30AF5A0-43BB-4336-8627-9123B9144D80}" type="slidenum">
+              <a:rPr lang="en-US" smtClean="0"/>
+              <a:t>5</a:t>
+            </a:fld>
+            <a:endParaRPr lang="en-US" dirty="0"/>
+          </a:p>
+        </p:txBody>
+      </p:sp>
+      <p:sp>
+        <p:nvSpPr>
+          <p:cNvPr id="7" name="Espaço Reservado para Conteúdo 6">
+            <a:extLst>
+              <a:ext uri="{FF2B5EF4-FFF2-40B4-BE49-F238E27FC236}">
+                <a16:creationId xmlns:a16="http://schemas.microsoft.com/office/drawing/2014/main" id="{9B9F8992-D248-D35E-D60A-1D0BF65B710A}"/>
+              </a:ext>
+            </a:extLst>
+          </p:cNvPr>
+          <p:cNvSpPr>
+            <a:spLocks noGrp="1"/>
+          </p:cNvSpPr>
+          <p:nvPr>
+            <p:ph idx="1"/>
+          </p:nvPr>
+        </p:nvSpPr>
+        <p:spPr>
+          <a:xfrm>
+            <a:off x="700635" y="2293126"/>
+            <a:ext cx="10691265" cy="3636088"/>
+          </a:xfrm>
+        </p:spPr>
+        <p:txBody>
+          <a:bodyPr/>
+          <a:lstStyle/>
+          <a:p>
+            <a:pPr marL="0" indent="0">
+              <a:buNone/>
+            </a:pPr>
+            <a:endParaRPr lang="pt-BR" dirty="0"/>
+          </a:p>
+        </p:txBody>
+      </p:sp>
+    </p:spTree>
+    <p:extLst>
+      <p:ext uri="{BB962C8B-B14F-4D97-AF65-F5344CB8AC3E}">
+        <p14:creationId xmlns:p14="http://schemas.microsoft.com/office/powerpoint/2010/main" val="2920797213"/>
+      </p:ext>
+    </p:extLst>
+  </p:cSld>
+  <p:clrMapOvr>
+    <a:masterClrMapping/>
+  </p:clrMapOvr>
+</p:sld>
+</file>
+
+<file path=ppt/slides/slide6.xml><?xml version="1.0" encoding="utf-8"?>
+<p:sld xmlns:a="http://schemas.openxmlformats.org/drawingml/2006/main" xmlns:r="http://schemas.openxmlformats.org/officeDocument/2006/relationships" xmlns:p="http://schemas.openxmlformats.org/presentationml/2006/main">
+  <p:cSld>
+    <p:spTree>
+      <p:nvGrpSpPr>
+        <p:cNvPr id="1" name="">
+          <a:extLst>
+            <a:ext uri="{FF2B5EF4-FFF2-40B4-BE49-F238E27FC236}">
+              <a16:creationId xmlns:a16="http://schemas.microsoft.com/office/drawing/2014/main" id="{2D275B84-4E27-38AC-89AE-C4AC71418247}"/>
+            </a:ext>
+          </a:extLst>
+        </p:cNvPr>
+        <p:cNvGrpSpPr/>
+        <p:nvPr/>
+      </p:nvGrpSpPr>
+      <p:grpSpPr>
+        <a:xfrm>
+          <a:off x="0" y="0"/>
+          <a:ext cx="0" cy="0"/>
+          <a:chOff x="0" y="0"/>
+          <a:chExt cx="0" cy="0"/>
+        </a:xfrm>
+      </p:grpSpPr>
+      <p:sp>
+        <p:nvSpPr>
+          <p:cNvPr id="2" name="Título 1">
+            <a:extLst>
+              <a:ext uri="{FF2B5EF4-FFF2-40B4-BE49-F238E27FC236}">
+                <a16:creationId xmlns:a16="http://schemas.microsoft.com/office/drawing/2014/main" id="{DDE075D6-97C1-E63E-C9E8-A520C9BA62B9}"/>
+              </a:ext>
+            </a:extLst>
+          </p:cNvPr>
+          <p:cNvSpPr>
+            <a:spLocks noGrp="1"/>
+          </p:cNvSpPr>
+          <p:nvPr>
+            <p:ph type="title"/>
+          </p:nvPr>
+        </p:nvSpPr>
+        <p:spPr/>
+        <p:txBody>
+          <a:bodyPr/>
+          <a:lstStyle/>
+          <a:p>
+            <a:r>
+              <a:rPr lang="pt-BR" dirty="0"/>
+              <a:t>Quais os parâmetros que garantem maior qualidade dos resultados?</a:t>
+            </a:r>
+          </a:p>
+        </p:txBody>
+      </p:sp>
+      <p:sp>
+        <p:nvSpPr>
+          <p:cNvPr id="4" name="Espaço Reservado para Data 3">
+            <a:extLst>
+              <a:ext uri="{FF2B5EF4-FFF2-40B4-BE49-F238E27FC236}">
+                <a16:creationId xmlns:a16="http://schemas.microsoft.com/office/drawing/2014/main" id="{E78C6414-5E26-4FCF-D2DD-93672EEA9900}"/>
+              </a:ext>
+            </a:extLst>
+          </p:cNvPr>
+          <p:cNvSpPr>
+            <a:spLocks noGrp="1"/>
+          </p:cNvSpPr>
+          <p:nvPr>
+            <p:ph type="dt" sz="half" idx="10"/>
+          </p:nvPr>
+        </p:nvSpPr>
+        <p:spPr/>
+        <p:txBody>
+          <a:bodyPr/>
+          <a:lstStyle/>
+          <a:p>
+            <a:fld id="{AF05999E-30D9-41B6-83A9-FA7B6142BB1D}" type="datetime1">
+              <a:rPr lang="en-US" smtClean="0"/>
+              <a:t>2/13/2025</a:t>
+            </a:fld>
+            <a:endParaRPr lang="en-US" dirty="0"/>
+          </a:p>
+        </p:txBody>
+      </p:sp>
+      <p:sp>
+        <p:nvSpPr>
+          <p:cNvPr id="5" name="Espaço Reservado para Rodapé 4">
+            <a:extLst>
+              <a:ext uri="{FF2B5EF4-FFF2-40B4-BE49-F238E27FC236}">
+                <a16:creationId xmlns:a16="http://schemas.microsoft.com/office/drawing/2014/main" id="{49BEE8F8-3FD4-BFB2-A43C-5AE6431A8725}"/>
+              </a:ext>
+            </a:extLst>
+          </p:cNvPr>
+          <p:cNvSpPr>
+            <a:spLocks noGrp="1"/>
+          </p:cNvSpPr>
+          <p:nvPr>
+            <p:ph type="ftr" sz="quarter" idx="11"/>
+          </p:nvPr>
+        </p:nvSpPr>
+        <p:spPr/>
+        <p:txBody>
+          <a:bodyPr/>
+          <a:lstStyle/>
+          <a:p>
+            <a:r>
+              <a:rPr lang="en-US"/>
+              <a:t>
+              </a:t>
+            </a:r>
+          </a:p>
+        </p:txBody>
+      </p:sp>
+      <p:sp>
+        <p:nvSpPr>
+          <p:cNvPr id="6" name="Espaço Reservado para Número de Slide 5">
+            <a:extLst>
+              <a:ext uri="{FF2B5EF4-FFF2-40B4-BE49-F238E27FC236}">
+                <a16:creationId xmlns:a16="http://schemas.microsoft.com/office/drawing/2014/main" id="{9B7BA523-78BC-0CFB-AFC3-D051240D4C3E}"/>
+              </a:ext>
+            </a:extLst>
+          </p:cNvPr>
+          <p:cNvSpPr>
+            <a:spLocks noGrp="1"/>
+          </p:cNvSpPr>
+          <p:nvPr>
+            <p:ph type="sldNum" sz="quarter" idx="12"/>
+          </p:nvPr>
+        </p:nvSpPr>
+        <p:spPr/>
+        <p:txBody>
+          <a:bodyPr/>
+          <a:lstStyle/>
+          <a:p>
+            <a:fld id="{E30AF5A0-43BB-4336-8627-9123B9144D80}" type="slidenum">
+              <a:rPr lang="en-US" smtClean="0"/>
+              <a:t>6</a:t>
+            </a:fld>
+            <a:endParaRPr lang="en-US" dirty="0"/>
+          </a:p>
+        </p:txBody>
+      </p:sp>
+      <p:sp>
+        <p:nvSpPr>
+          <p:cNvPr id="7" name="Espaço Reservado para Conteúdo 6">
+            <a:extLst>
+              <a:ext uri="{FF2B5EF4-FFF2-40B4-BE49-F238E27FC236}">
+                <a16:creationId xmlns:a16="http://schemas.microsoft.com/office/drawing/2014/main" id="{FC24C856-D7FB-8623-F8CE-246DCAC10CCA}"/>
+              </a:ext>
+            </a:extLst>
+          </p:cNvPr>
+          <p:cNvSpPr>
+            <a:spLocks noGrp="1"/>
+          </p:cNvSpPr>
+          <p:nvPr>
+            <p:ph idx="1"/>
+          </p:nvPr>
+        </p:nvSpPr>
+        <p:spPr>
+          <a:xfrm>
+            <a:off x="700635" y="2293126"/>
+            <a:ext cx="10691265" cy="3636088"/>
+          </a:xfrm>
+        </p:spPr>
+        <p:txBody>
+          <a:bodyPr/>
+          <a:lstStyle/>
+          <a:p>
+            <a:pPr marL="0" indent="0">
+              <a:buNone/>
+            </a:pPr>
+            <a:endParaRPr lang="pt-BR" dirty="0"/>
+          </a:p>
+        </p:txBody>
+      </p:sp>
+    </p:spTree>
+    <p:extLst>
+      <p:ext uri="{BB962C8B-B14F-4D97-AF65-F5344CB8AC3E}">
+        <p14:creationId xmlns:p14="http://schemas.microsoft.com/office/powerpoint/2010/main" val="267767297"/>
+      </p:ext>
+    </p:extLst>
+  </p:cSld>
+  <p:clrMapOvr>
+    <a:masterClrMapping/>
+  </p:clrMapOvr>
+</p:sld>
+</file>
+
+<file path=ppt/slides/slide7.xml><?xml version="1.0" encoding="utf-8"?>
+<p:sld xmlns:a="http://schemas.openxmlformats.org/drawingml/2006/main" xmlns:r="http://schemas.openxmlformats.org/officeDocument/2006/relationships" xmlns:p="http://schemas.openxmlformats.org/presentationml/2006/main">
+  <p:cSld>
+    <p:spTree>
+      <p:nvGrpSpPr>
+        <p:cNvPr id="1" name="">
+          <a:extLst>
+            <a:ext uri="{FF2B5EF4-FFF2-40B4-BE49-F238E27FC236}">
+              <a16:creationId xmlns:a16="http://schemas.microsoft.com/office/drawing/2014/main" id="{5D3A9F8C-8988-5133-6E1E-E1A0D4F5B861}"/>
+            </a:ext>
+          </a:extLst>
+        </p:cNvPr>
+        <p:cNvGrpSpPr/>
+        <p:nvPr/>
+      </p:nvGrpSpPr>
+      <p:grpSpPr>
+        <a:xfrm>
+          <a:off x="0" y="0"/>
+          <a:ext cx="0" cy="0"/>
+          <a:chOff x="0" y="0"/>
+          <a:chExt cx="0" cy="0"/>
+        </a:xfrm>
+      </p:grpSpPr>
+      <p:sp>
+        <p:nvSpPr>
+          <p:cNvPr id="2" name="Título 1">
+            <a:extLst>
+              <a:ext uri="{FF2B5EF4-FFF2-40B4-BE49-F238E27FC236}">
+                <a16:creationId xmlns:a16="http://schemas.microsoft.com/office/drawing/2014/main" id="{197B3EA2-21E1-C5F9-61CB-160D391E66F4}"/>
+              </a:ext>
+            </a:extLst>
+          </p:cNvPr>
+          <p:cNvSpPr>
+            <a:spLocks noGrp="1"/>
+          </p:cNvSpPr>
+          <p:nvPr>
+            <p:ph type="title"/>
+          </p:nvPr>
+        </p:nvSpPr>
+        <p:spPr/>
+        <p:txBody>
+          <a:bodyPr/>
+          <a:lstStyle/>
+          <a:p>
+            <a:r>
+              <a:rPr lang="pt-BR" dirty="0"/>
+              <a:t>Quais os parâmetros mais rápidos? </a:t>
+            </a:r>
+          </a:p>
+        </p:txBody>
+      </p:sp>
+      <p:sp>
+        <p:nvSpPr>
+          <p:cNvPr id="4" name="Espaço Reservado para Data 3">
+            <a:extLst>
+              <a:ext uri="{FF2B5EF4-FFF2-40B4-BE49-F238E27FC236}">
+                <a16:creationId xmlns:a16="http://schemas.microsoft.com/office/drawing/2014/main" id="{3BFC1931-17A4-F7CE-CCBB-0CB6052BAB69}"/>
+              </a:ext>
+            </a:extLst>
+          </p:cNvPr>
+          <p:cNvSpPr>
+            <a:spLocks noGrp="1"/>
+          </p:cNvSpPr>
+          <p:nvPr>
+            <p:ph type="dt" sz="half" idx="10"/>
+          </p:nvPr>
+        </p:nvSpPr>
+        <p:spPr/>
+        <p:txBody>
+          <a:bodyPr/>
+          <a:lstStyle/>
+          <a:p>
+            <a:fld id="{AF05999E-30D9-41B6-83A9-FA7B6142BB1D}" type="datetime1">
+              <a:rPr lang="en-US" smtClean="0"/>
+              <a:t>2/13/2025</a:t>
+            </a:fld>
+            <a:endParaRPr lang="en-US" dirty="0"/>
+          </a:p>
+        </p:txBody>
+      </p:sp>
+      <p:sp>
+        <p:nvSpPr>
+          <p:cNvPr id="5" name="Espaço Reservado para Rodapé 4">
+            <a:extLst>
+              <a:ext uri="{FF2B5EF4-FFF2-40B4-BE49-F238E27FC236}">
+                <a16:creationId xmlns:a16="http://schemas.microsoft.com/office/drawing/2014/main" id="{730DB612-C047-0656-4566-9051D7A7C66F}"/>
+              </a:ext>
+            </a:extLst>
+          </p:cNvPr>
+          <p:cNvSpPr>
+            <a:spLocks noGrp="1"/>
+          </p:cNvSpPr>
+          <p:nvPr>
+            <p:ph type="ftr" sz="quarter" idx="11"/>
+          </p:nvPr>
+        </p:nvSpPr>
+        <p:spPr/>
+        <p:txBody>
+          <a:bodyPr/>
+          <a:lstStyle/>
+          <a:p>
+            <a:r>
+              <a:rPr lang="en-US"/>
+              <a:t>
+              </a:t>
+            </a:r>
+          </a:p>
+        </p:txBody>
+      </p:sp>
+      <p:sp>
+        <p:nvSpPr>
+          <p:cNvPr id="6" name="Espaço Reservado para Número de Slide 5">
+            <a:extLst>
+              <a:ext uri="{FF2B5EF4-FFF2-40B4-BE49-F238E27FC236}">
+                <a16:creationId xmlns:a16="http://schemas.microsoft.com/office/drawing/2014/main" id="{E98456B5-477F-3780-F768-5FC5501A70FB}"/>
+              </a:ext>
+            </a:extLst>
+          </p:cNvPr>
+          <p:cNvSpPr>
+            <a:spLocks noGrp="1"/>
+          </p:cNvSpPr>
+          <p:nvPr>
+            <p:ph type="sldNum" sz="quarter" idx="12"/>
+          </p:nvPr>
+        </p:nvSpPr>
+        <p:spPr/>
+        <p:txBody>
+          <a:bodyPr/>
+          <a:lstStyle/>
+          <a:p>
+            <a:fld id="{E30AF5A0-43BB-4336-8627-9123B9144D80}" type="slidenum">
+              <a:rPr lang="en-US" smtClean="0"/>
+              <a:t>7</a:t>
+            </a:fld>
+            <a:endParaRPr lang="en-US" dirty="0"/>
+          </a:p>
+        </p:txBody>
+      </p:sp>
+      <p:sp>
+        <p:nvSpPr>
+          <p:cNvPr id="7" name="Espaço Reservado para Conteúdo 6">
+            <a:extLst>
+              <a:ext uri="{FF2B5EF4-FFF2-40B4-BE49-F238E27FC236}">
+                <a16:creationId xmlns:a16="http://schemas.microsoft.com/office/drawing/2014/main" id="{0E5C1D20-BAEB-0E61-8EAF-9C155E09586F}"/>
+              </a:ext>
+            </a:extLst>
+          </p:cNvPr>
+          <p:cNvSpPr>
+            <a:spLocks noGrp="1"/>
+          </p:cNvSpPr>
+          <p:nvPr>
+            <p:ph idx="1"/>
+          </p:nvPr>
+        </p:nvSpPr>
+        <p:spPr>
+          <a:xfrm>
+            <a:off x="700635" y="2293126"/>
+            <a:ext cx="10691265" cy="3636088"/>
+          </a:xfrm>
+        </p:spPr>
+        <p:txBody>
+          <a:bodyPr/>
+          <a:lstStyle/>
+          <a:p>
+            <a:pPr marL="0" indent="0">
+              <a:buNone/>
+            </a:pPr>
+            <a:endParaRPr lang="pt-BR" dirty="0"/>
+          </a:p>
+        </p:txBody>
+      </p:sp>
+    </p:spTree>
+    <p:extLst>
+      <p:ext uri="{BB962C8B-B14F-4D97-AF65-F5344CB8AC3E}">
+        <p14:creationId xmlns:p14="http://schemas.microsoft.com/office/powerpoint/2010/main" val="1223550223"/>
+      </p:ext>
+    </p:extLst>
+  </p:cSld>
+  <p:clrMapOvr>
+    <a:masterClrMapping/>
+  </p:clrMapOvr>
+</p:sld>
+</file>
+
+<file path=ppt/slides/slide8.xml><?xml version="1.0" encoding="utf-8"?>
 <p:sld xmlns:a="http://schemas.openxmlformats.org/drawingml/2006/main" xmlns:r="http://schemas.openxmlformats.org/officeDocument/2006/relationships" xmlns:p="http://schemas.openxmlformats.org/presentationml/2006/main">
   <p:cSld>
     <p:spTree>
@@ -8039,7 +8230,7 @@
           <p:cNvPr id="2" name="Título 1">
             <a:extLst>
               <a:ext uri="{FF2B5EF4-FFF2-40B4-BE49-F238E27FC236}">
-                <a16:creationId xmlns:a16="http://schemas.microsoft.com/office/drawing/2014/main" id="{FD08AF0E-485D-B5C0-D9D0-3E68B6C6264B}"/>
+                <a16:creationId xmlns:a16="http://schemas.microsoft.com/office/drawing/2014/main" id="{4E319447-D02E-7C4B-241A-4A96C7ABC44D}"/>
               </a:ext>
             </a:extLst>
           </p:cNvPr>
@@ -8057,63 +8248,210 @@
           <a:p>
             <a:r>
               <a:rPr lang="en-US" dirty="0" err="1"/>
-              <a:t>Chamada</a:t>
+              <a:t>Referências</a:t>
             </a:r>
             <a:r>
               <a:rPr lang="en-US" dirty="0"/>
-              <a:t> das </a:t>
+              <a:t> </a:t>
             </a:r>
             <a:r>
               <a:rPr lang="en-US" dirty="0" err="1"/>
-              <a:t>funções</a:t>
-            </a:r>
-            <a:r>
-              <a:rPr lang="en-US" dirty="0"/>
-              <a:t> de </a:t>
-            </a:r>
-            <a:r>
-              <a:rPr lang="en-US" dirty="0" err="1"/>
-              <a:t>solução</a:t>
+              <a:t>bibliográficas</a:t>
             </a:r>
             <a:endParaRPr lang="pt-BR" dirty="0"/>
           </a:p>
         </p:txBody>
       </p:sp>
-      <p:pic>
-        <p:nvPicPr>
-          <p:cNvPr id="8" name="Espaço Reservado para Conteúdo 7">
-            <a:extLst>
-              <a:ext uri="{FF2B5EF4-FFF2-40B4-BE49-F238E27FC236}">
-                <a16:creationId xmlns:a16="http://schemas.microsoft.com/office/drawing/2014/main" id="{27E8401D-BB48-AADB-DFF9-BBBABE276ED4}"/>
-              </a:ext>
-            </a:extLst>
-          </p:cNvPr>
-          <p:cNvPicPr>
-            <a:picLocks noGrp="1" noChangeAspect="1"/>
-          </p:cNvPicPr>
+      <p:sp>
+        <p:nvSpPr>
+          <p:cNvPr id="3" name="Espaço Reservado para Conteúdo 2">
+            <a:extLst>
+              <a:ext uri="{FF2B5EF4-FFF2-40B4-BE49-F238E27FC236}">
+                <a16:creationId xmlns:a16="http://schemas.microsoft.com/office/drawing/2014/main" id="{DF5ABD57-ADCB-25E7-5CDB-095C18654DD9}"/>
+              </a:ext>
+            </a:extLst>
+          </p:cNvPr>
+          <p:cNvSpPr>
+            <a:spLocks noGrp="1"/>
+          </p:cNvSpPr>
           <p:nvPr>
             <p:ph idx="1"/>
           </p:nvPr>
-        </p:nvPicPr>
-        <p:blipFill>
-          <a:blip r:embed="rId2"/>
-          <a:stretch>
-            <a:fillRect/>
-          </a:stretch>
-        </p:blipFill>
-        <p:spPr>
-          <a:xfrm>
-            <a:off x="3062601" y="2292350"/>
-            <a:ext cx="5966786" cy="3636963"/>
-          </a:xfrm>
-        </p:spPr>
-      </p:pic>
+        </p:nvSpPr>
+        <p:spPr/>
+        <p:txBody>
+          <a:bodyPr vert="horz" lIns="91440" tIns="45720" rIns="91440" bIns="45720" rtlCol="0" anchor="t">
+            <a:normAutofit/>
+          </a:bodyPr>
+          <a:lstStyle/>
+          <a:p>
+            <a:r>
+              <a:rPr lang="pt-BR" dirty="0">
+                <a:ea typeface="+mn-lt"/>
+                <a:cs typeface="+mn-lt"/>
+              </a:rPr>
+              <a:t>PARBERRY, I. </a:t>
+            </a:r>
+            <a:r>
+              <a:rPr lang="pt-BR" b="1" dirty="0" err="1">
+                <a:ea typeface="+mn-lt"/>
+                <a:cs typeface="+mn-lt"/>
+              </a:rPr>
+              <a:t>An</a:t>
+            </a:r>
+            <a:r>
+              <a:rPr lang="pt-BR" b="1" dirty="0">
+                <a:ea typeface="+mn-lt"/>
+                <a:cs typeface="+mn-lt"/>
+              </a:rPr>
+              <a:t> </a:t>
+            </a:r>
+            <a:r>
+              <a:rPr lang="pt-BR" b="1" dirty="0" err="1">
+                <a:ea typeface="+mn-lt"/>
+                <a:cs typeface="+mn-lt"/>
+              </a:rPr>
+              <a:t>efficient</a:t>
+            </a:r>
+            <a:r>
+              <a:rPr lang="pt-BR" b="1" dirty="0">
+                <a:ea typeface="+mn-lt"/>
+                <a:cs typeface="+mn-lt"/>
+              </a:rPr>
+              <a:t> </a:t>
+            </a:r>
+            <a:r>
+              <a:rPr lang="pt-BR" b="1" dirty="0" err="1">
+                <a:ea typeface="+mn-lt"/>
+                <a:cs typeface="+mn-lt"/>
+              </a:rPr>
+              <a:t>algorithm</a:t>
+            </a:r>
+            <a:r>
+              <a:rPr lang="pt-BR" b="1" dirty="0">
+                <a:ea typeface="+mn-lt"/>
+                <a:cs typeface="+mn-lt"/>
+              </a:rPr>
+              <a:t> for </a:t>
+            </a:r>
+            <a:r>
+              <a:rPr lang="pt-BR" b="1" dirty="0" err="1">
+                <a:ea typeface="+mn-lt"/>
+                <a:cs typeface="+mn-lt"/>
+              </a:rPr>
+              <a:t>the</a:t>
+            </a:r>
+            <a:r>
+              <a:rPr lang="pt-BR" b="1" dirty="0">
+                <a:ea typeface="+mn-lt"/>
+                <a:cs typeface="+mn-lt"/>
+              </a:rPr>
+              <a:t> </a:t>
+            </a:r>
+            <a:r>
+              <a:rPr lang="pt-BR" b="1" dirty="0" err="1">
+                <a:ea typeface="+mn-lt"/>
+                <a:cs typeface="+mn-lt"/>
+              </a:rPr>
+              <a:t>Knight’s</a:t>
+            </a:r>
+            <a:r>
+              <a:rPr lang="pt-BR" b="1" dirty="0">
+                <a:ea typeface="+mn-lt"/>
+                <a:cs typeface="+mn-lt"/>
+              </a:rPr>
+              <a:t> tour problem</a:t>
+            </a:r>
+            <a:r>
+              <a:rPr lang="pt-BR" dirty="0">
+                <a:ea typeface="+mn-lt"/>
+                <a:cs typeface="+mn-lt"/>
+              </a:rPr>
+              <a:t>. Disponível em: &lt;https://core.ac.uk/download/</a:t>
+            </a:r>
+            <a:r>
+              <a:rPr lang="pt-BR" dirty="0" err="1">
+                <a:ea typeface="+mn-lt"/>
+                <a:cs typeface="+mn-lt"/>
+              </a:rPr>
+              <a:t>pdf</a:t>
+            </a:r>
+            <a:r>
+              <a:rPr lang="pt-BR" dirty="0">
+                <a:ea typeface="+mn-lt"/>
+                <a:cs typeface="+mn-lt"/>
+              </a:rPr>
+              <a:t>/81964499.pdf&gt;. Acesso em: 14 maio. 2024.</a:t>
+            </a:r>
+          </a:p>
+          <a:p>
+            <a:r>
+              <a:rPr lang="pt-BR" dirty="0">
+                <a:ea typeface="+mn-lt"/>
+                <a:cs typeface="+mn-lt"/>
+              </a:rPr>
+              <a:t>WIKIPEDIA CONTRIBUTORS. </a:t>
+            </a:r>
+            <a:r>
+              <a:rPr lang="pt-BR" b="1" dirty="0" err="1">
+                <a:ea typeface="+mn-lt"/>
+                <a:cs typeface="+mn-lt"/>
+              </a:rPr>
+              <a:t>Knight’s</a:t>
+            </a:r>
+            <a:r>
+              <a:rPr lang="pt-BR" b="1" dirty="0">
+                <a:ea typeface="+mn-lt"/>
+                <a:cs typeface="+mn-lt"/>
+              </a:rPr>
+              <a:t> tour</a:t>
+            </a:r>
+            <a:r>
+              <a:rPr lang="pt-BR" dirty="0">
+                <a:ea typeface="+mn-lt"/>
+                <a:cs typeface="+mn-lt"/>
+              </a:rPr>
+              <a:t>. Disponível em: &lt;https://en.wikipedia.org/w/</a:t>
+            </a:r>
+            <a:r>
+              <a:rPr lang="pt-BR" dirty="0" err="1">
+                <a:ea typeface="+mn-lt"/>
+                <a:cs typeface="+mn-lt"/>
+              </a:rPr>
+              <a:t>index.php?title</a:t>
+            </a:r>
+            <a:r>
+              <a:rPr lang="pt-BR" dirty="0">
+                <a:ea typeface="+mn-lt"/>
+                <a:cs typeface="+mn-lt"/>
+              </a:rPr>
+              <a:t>=Knight%27s_tour&amp;oldid=1220995933&gt;.</a:t>
+            </a:r>
+            <a:endParaRPr lang="pt-BR" dirty="0"/>
+          </a:p>
+          <a:p>
+            <a:endParaRPr lang="pt-BR" dirty="0"/>
+          </a:p>
+          <a:p>
+            <a:endParaRPr lang="pt-BR" dirty="0"/>
+          </a:p>
+          <a:p>
+            <a:endParaRPr lang="pt-BR" dirty="0"/>
+          </a:p>
+          <a:p>
+            <a:endParaRPr lang="pt-BR" dirty="0"/>
+          </a:p>
+          <a:p>
+            <a:endParaRPr lang="pt-BR" dirty="0"/>
+          </a:p>
+        </p:txBody>
+      </p:sp>
       <p:sp>
         <p:nvSpPr>
           <p:cNvPr id="4" name="Espaço Reservado para Data 3">
             <a:extLst>
               <a:ext uri="{FF2B5EF4-FFF2-40B4-BE49-F238E27FC236}">
-                <a16:creationId xmlns:a16="http://schemas.microsoft.com/office/drawing/2014/main" id="{5680BF8A-9C68-2031-5F10-0BA7357A31AA}"/>
+                <a16:creationId xmlns:a16="http://schemas.microsoft.com/office/drawing/2014/main" id="{E575A558-438B-6388-C74A-CB3D2C97D3F8}"/>
               </a:ext>
             </a:extLst>
           </p:cNvPr>
@@ -8129,9 +8467,9 @@
           <a:bodyPr/>
           <a:lstStyle/>
           <a:p>
-            <a:fld id="{50BB6B58-91CE-44AB-BC82-ADEF7B47F76B}" type="datetime1">
+            <a:fld id="{5C0E8BC3-A60E-4E31-8AE4-2BE08893AD21}" type="datetime1">
               <a:rPr lang="en-US" smtClean="0"/>
-              <a:t>2/12/2025</a:t>
+              <a:t>2/13/2025</a:t>
             </a:fld>
             <a:endParaRPr lang="en-US"/>
           </a:p>
@@ -8142,7 +8480,7 @@
           <p:cNvPr id="5" name="Espaço Reservado para Rodapé 4">
             <a:extLst>
               <a:ext uri="{FF2B5EF4-FFF2-40B4-BE49-F238E27FC236}">
-                <a16:creationId xmlns:a16="http://schemas.microsoft.com/office/drawing/2014/main" id="{8D25330C-9E94-DCC3-9FEF-55781529201B}"/>
+                <a16:creationId xmlns:a16="http://schemas.microsoft.com/office/drawing/2014/main" id="{5792529F-47F6-73F8-4E0C-FA5B71473D22}"/>
               </a:ext>
             </a:extLst>
           </p:cNvPr>
@@ -8171,7 +8509,7 @@
           <p:cNvPr id="6" name="Espaço Reservado para Número de Slide 5">
             <a:extLst>
               <a:ext uri="{FF2B5EF4-FFF2-40B4-BE49-F238E27FC236}">
-                <a16:creationId xmlns:a16="http://schemas.microsoft.com/office/drawing/2014/main" id="{3C2CB184-9658-82C9-52E5-846A7E8A4AE0}"/>
+                <a16:creationId xmlns:a16="http://schemas.microsoft.com/office/drawing/2014/main" id="{6590052F-4EE3-8698-0A10-CB8C4E35A1E4}"/>
               </a:ext>
             </a:extLst>
           </p:cNvPr>
@@ -8189,7 +8527,7 @@
           <a:p>
             <a:fld id="{E30AF5A0-43BB-4336-8627-9123B9144D80}" type="slidenum">
               <a:rPr lang="en-US" smtClean="0"/>
-              <a:t>4</a:t>
+              <a:t>8</a:t>
             </a:fld>
             <a:endParaRPr lang="en-US"/>
           </a:p>
@@ -8198,7 +8536,7 @@
     </p:spTree>
     <p:extLst>
       <p:ext uri="{BB962C8B-B14F-4D97-AF65-F5344CB8AC3E}">
-        <p14:creationId xmlns:p14="http://schemas.microsoft.com/office/powerpoint/2010/main" val="2943707974"/>
+        <p14:creationId xmlns:p14="http://schemas.microsoft.com/office/powerpoint/2010/main" val="2097304172"/>
       </p:ext>
     </p:extLst>
   </p:cSld>
@@ -8208,7 +8546,7 @@
 </p:sld>
 </file>
 
-<file path=ppt/slides/slide5.xml><?xml version="1.0" encoding="utf-8"?>
+<file path=ppt/slides/slide9.xml><?xml version="1.0" encoding="utf-8"?>
 <p:sld xmlns:a="http://schemas.openxmlformats.org/drawingml/2006/main" xmlns:r="http://schemas.openxmlformats.org/officeDocument/2006/relationships" xmlns:p="http://schemas.openxmlformats.org/presentationml/2006/main">
   <p:cSld>
     <p:spTree>
@@ -8230,569 +8568,6 @@
           <p:cNvPr id="2" name="Título 1">
             <a:extLst>
               <a:ext uri="{FF2B5EF4-FFF2-40B4-BE49-F238E27FC236}">
-                <a16:creationId xmlns:a16="http://schemas.microsoft.com/office/drawing/2014/main" id="{959285ED-714D-15DB-DE2E-6588843E90A5}"/>
-              </a:ext>
-            </a:extLst>
-          </p:cNvPr>
-          <p:cNvSpPr>
-            <a:spLocks noGrp="1"/>
-          </p:cNvSpPr>
-          <p:nvPr>
-            <p:ph type="title"/>
-          </p:nvPr>
-        </p:nvSpPr>
-        <p:spPr/>
-        <p:txBody>
-          <a:bodyPr/>
-          <a:lstStyle/>
-          <a:p>
-            <a:r>
-              <a:rPr lang="en-US" dirty="0" err="1"/>
-              <a:t>Exemplos</a:t>
-            </a:r>
-            <a:r>
-              <a:rPr lang="en-US" dirty="0"/>
-              <a:t> de </a:t>
-            </a:r>
-            <a:r>
-              <a:rPr lang="en-US" dirty="0" err="1"/>
-              <a:t>solução</a:t>
-            </a:r>
-            <a:r>
-              <a:rPr lang="en-US" dirty="0"/>
-              <a:t> – </a:t>
-            </a:r>
-            <a:r>
-              <a:rPr lang="en-US" dirty="0" err="1"/>
-              <a:t>aleatório</a:t>
-            </a:r>
-            <a:r>
-              <a:rPr lang="en-US" dirty="0"/>
-              <a:t> 6x6</a:t>
-            </a:r>
-            <a:endParaRPr lang="pt-BR" dirty="0"/>
-          </a:p>
-        </p:txBody>
-      </p:sp>
-      <p:pic>
-        <p:nvPicPr>
-          <p:cNvPr id="8" name="Espaço Reservado para Conteúdo 7">
-            <a:extLst>
-              <a:ext uri="{FF2B5EF4-FFF2-40B4-BE49-F238E27FC236}">
-                <a16:creationId xmlns:a16="http://schemas.microsoft.com/office/drawing/2014/main" id="{F3794BBD-6F44-CA58-8A82-96676D679EE5}"/>
-              </a:ext>
-            </a:extLst>
-          </p:cNvPr>
-          <p:cNvPicPr>
-            <a:picLocks noGrp="1" noChangeAspect="1"/>
-          </p:cNvPicPr>
-          <p:nvPr>
-            <p:ph idx="1"/>
-          </p:nvPr>
-        </p:nvPicPr>
-        <p:blipFill>
-          <a:blip r:embed="rId2"/>
-          <a:stretch>
-            <a:fillRect/>
-          </a:stretch>
-        </p:blipFill>
-        <p:spPr>
-          <a:xfrm>
-            <a:off x="4257922" y="2292350"/>
-            <a:ext cx="3576144" cy="3636963"/>
-          </a:xfrm>
-        </p:spPr>
-      </p:pic>
-      <p:sp>
-        <p:nvSpPr>
-          <p:cNvPr id="4" name="Espaço Reservado para Data 3">
-            <a:extLst>
-              <a:ext uri="{FF2B5EF4-FFF2-40B4-BE49-F238E27FC236}">
-                <a16:creationId xmlns:a16="http://schemas.microsoft.com/office/drawing/2014/main" id="{68CBF0E6-A1E3-7498-E688-6BE5BC6E24E7}"/>
-              </a:ext>
-            </a:extLst>
-          </p:cNvPr>
-          <p:cNvSpPr>
-            <a:spLocks noGrp="1"/>
-          </p:cNvSpPr>
-          <p:nvPr>
-            <p:ph type="dt" sz="half" idx="10"/>
-          </p:nvPr>
-        </p:nvSpPr>
-        <p:spPr/>
-        <p:txBody>
-          <a:bodyPr/>
-          <a:lstStyle/>
-          <a:p>
-            <a:fld id="{AF05999E-30D9-41B6-83A9-FA7B6142BB1D}" type="datetime1">
-              <a:rPr lang="en-US" smtClean="0"/>
-              <a:t>2/12/2025</a:t>
-            </a:fld>
-            <a:endParaRPr lang="en-US"/>
-          </a:p>
-        </p:txBody>
-      </p:sp>
-      <p:sp>
-        <p:nvSpPr>
-          <p:cNvPr id="5" name="Espaço Reservado para Rodapé 4">
-            <a:extLst>
-              <a:ext uri="{FF2B5EF4-FFF2-40B4-BE49-F238E27FC236}">
-                <a16:creationId xmlns:a16="http://schemas.microsoft.com/office/drawing/2014/main" id="{89734A2D-CBE3-40CF-E984-582E51C16F8E}"/>
-              </a:ext>
-            </a:extLst>
-          </p:cNvPr>
-          <p:cNvSpPr>
-            <a:spLocks noGrp="1"/>
-          </p:cNvSpPr>
-          <p:nvPr>
-            <p:ph type="ftr" sz="quarter" idx="11"/>
-          </p:nvPr>
-        </p:nvSpPr>
-        <p:spPr/>
-        <p:txBody>
-          <a:bodyPr/>
-          <a:lstStyle/>
-          <a:p>
-            <a:r>
-              <a:rPr lang="en-US"/>
-              <a:t>
-              </a:t>
-            </a:r>
-          </a:p>
-        </p:txBody>
-      </p:sp>
-      <p:sp>
-        <p:nvSpPr>
-          <p:cNvPr id="6" name="Espaço Reservado para Número de Slide 5">
-            <a:extLst>
-              <a:ext uri="{FF2B5EF4-FFF2-40B4-BE49-F238E27FC236}">
-                <a16:creationId xmlns:a16="http://schemas.microsoft.com/office/drawing/2014/main" id="{FD857389-AF7C-33FB-9220-BC21EBB91144}"/>
-              </a:ext>
-            </a:extLst>
-          </p:cNvPr>
-          <p:cNvSpPr>
-            <a:spLocks noGrp="1"/>
-          </p:cNvSpPr>
-          <p:nvPr>
-            <p:ph type="sldNum" sz="quarter" idx="12"/>
-          </p:nvPr>
-        </p:nvSpPr>
-        <p:spPr/>
-        <p:txBody>
-          <a:bodyPr/>
-          <a:lstStyle/>
-          <a:p>
-            <a:fld id="{E30AF5A0-43BB-4336-8627-9123B9144D80}" type="slidenum">
-              <a:rPr lang="en-US" smtClean="0"/>
-              <a:t>5</a:t>
-            </a:fld>
-            <a:endParaRPr lang="en-US"/>
-          </a:p>
-        </p:txBody>
-      </p:sp>
-      <p:pic>
-        <p:nvPicPr>
-          <p:cNvPr id="12" name="Imagem 11">
-            <a:extLst>
-              <a:ext uri="{FF2B5EF4-FFF2-40B4-BE49-F238E27FC236}">
-                <a16:creationId xmlns:a16="http://schemas.microsoft.com/office/drawing/2014/main" id="{4DEAB73A-87B7-8255-3803-50E7E3890C70}"/>
-              </a:ext>
-            </a:extLst>
-          </p:cNvPr>
-          <p:cNvPicPr>
-            <a:picLocks noChangeAspect="1"/>
-          </p:cNvPicPr>
-          <p:nvPr/>
-        </p:nvPicPr>
-        <p:blipFill>
-          <a:blip r:embed="rId3"/>
-          <a:stretch>
-            <a:fillRect/>
-          </a:stretch>
-        </p:blipFill>
-        <p:spPr>
-          <a:xfrm>
-            <a:off x="1699191" y="2571630"/>
-            <a:ext cx="2572109" cy="1714739"/>
-          </a:xfrm>
-          <a:prstGeom prst="rect">
-            <a:avLst/>
-          </a:prstGeom>
-        </p:spPr>
-      </p:pic>
-    </p:spTree>
-    <p:extLst>
-      <p:ext uri="{BB962C8B-B14F-4D97-AF65-F5344CB8AC3E}">
-        <p14:creationId xmlns:p14="http://schemas.microsoft.com/office/powerpoint/2010/main" val="3991824961"/>
-      </p:ext>
-    </p:extLst>
-  </p:cSld>
-  <p:clrMapOvr>
-    <a:masterClrMapping/>
-  </p:clrMapOvr>
-</p:sld>
-</file>
-
-<file path=ppt/slides/slide6.xml><?xml version="1.0" encoding="utf-8"?>
-<p:sld xmlns:a="http://schemas.openxmlformats.org/drawingml/2006/main" xmlns:r="http://schemas.openxmlformats.org/officeDocument/2006/relationships" xmlns:p="http://schemas.openxmlformats.org/presentationml/2006/main">
-  <p:cSld>
-    <p:spTree>
-      <p:nvGrpSpPr>
-        <p:cNvPr id="1" name=""/>
-        <p:cNvGrpSpPr/>
-        <p:nvPr/>
-      </p:nvGrpSpPr>
-      <p:grpSpPr>
-        <a:xfrm>
-          <a:off x="0" y="0"/>
-          <a:ext cx="0" cy="0"/>
-          <a:chOff x="0" y="0"/>
-          <a:chExt cx="0" cy="0"/>
-        </a:xfrm>
-      </p:grpSpPr>
-      <p:sp>
-        <p:nvSpPr>
-          <p:cNvPr id="2" name="Título 1">
-            <a:extLst>
-              <a:ext uri="{FF2B5EF4-FFF2-40B4-BE49-F238E27FC236}">
-                <a16:creationId xmlns:a16="http://schemas.microsoft.com/office/drawing/2014/main" id="{4E319447-D02E-7C4B-241A-4A96C7ABC44D}"/>
-              </a:ext>
-            </a:extLst>
-          </p:cNvPr>
-          <p:cNvSpPr>
-            <a:spLocks noGrp="1"/>
-          </p:cNvSpPr>
-          <p:nvPr>
-            <p:ph type="title"/>
-          </p:nvPr>
-        </p:nvSpPr>
-        <p:spPr/>
-        <p:txBody>
-          <a:bodyPr/>
-          <a:lstStyle/>
-          <a:p>
-            <a:r>
-              <a:rPr lang="en-US" err="1"/>
-              <a:t>Referências</a:t>
-            </a:r>
-            <a:r>
-              <a:rPr lang="en-US"/>
-              <a:t> </a:t>
-            </a:r>
-            <a:r>
-              <a:rPr lang="en-US" err="1"/>
-              <a:t>bibliográficas</a:t>
-            </a:r>
-            <a:endParaRPr lang="pt-BR"/>
-          </a:p>
-        </p:txBody>
-      </p:sp>
-      <p:sp>
-        <p:nvSpPr>
-          <p:cNvPr id="3" name="Espaço Reservado para Conteúdo 2">
-            <a:extLst>
-              <a:ext uri="{FF2B5EF4-FFF2-40B4-BE49-F238E27FC236}">
-                <a16:creationId xmlns:a16="http://schemas.microsoft.com/office/drawing/2014/main" id="{DF5ABD57-ADCB-25E7-5CDB-095C18654DD9}"/>
-              </a:ext>
-            </a:extLst>
-          </p:cNvPr>
-          <p:cNvSpPr>
-            <a:spLocks noGrp="1"/>
-          </p:cNvSpPr>
-          <p:nvPr>
-            <p:ph idx="1"/>
-          </p:nvPr>
-        </p:nvSpPr>
-        <p:spPr/>
-        <p:txBody>
-          <a:bodyPr vert="horz" lIns="91440" tIns="45720" rIns="91440" bIns="45720" rtlCol="0" anchor="t">
-            <a:normAutofit/>
-          </a:bodyPr>
-          <a:lstStyle/>
-          <a:p>
-            <a:r>
-              <a:rPr lang="pt-BR" dirty="0">
-                <a:ea typeface="+mn-lt"/>
-                <a:cs typeface="+mn-lt"/>
-              </a:rPr>
-              <a:t>PARBERRY, I. </a:t>
-            </a:r>
-            <a:r>
-              <a:rPr lang="pt-BR" b="1" dirty="0" err="1">
-                <a:ea typeface="+mn-lt"/>
-                <a:cs typeface="+mn-lt"/>
-              </a:rPr>
-              <a:t>An</a:t>
-            </a:r>
-            <a:r>
-              <a:rPr lang="pt-BR" b="1" dirty="0">
-                <a:ea typeface="+mn-lt"/>
-                <a:cs typeface="+mn-lt"/>
-              </a:rPr>
-              <a:t> </a:t>
-            </a:r>
-            <a:r>
-              <a:rPr lang="pt-BR" b="1" dirty="0" err="1">
-                <a:ea typeface="+mn-lt"/>
-                <a:cs typeface="+mn-lt"/>
-              </a:rPr>
-              <a:t>efficient</a:t>
-            </a:r>
-            <a:r>
-              <a:rPr lang="pt-BR" b="1" dirty="0">
-                <a:ea typeface="+mn-lt"/>
-                <a:cs typeface="+mn-lt"/>
-              </a:rPr>
-              <a:t> </a:t>
-            </a:r>
-            <a:r>
-              <a:rPr lang="pt-BR" b="1" dirty="0" err="1">
-                <a:ea typeface="+mn-lt"/>
-                <a:cs typeface="+mn-lt"/>
-              </a:rPr>
-              <a:t>algorithm</a:t>
-            </a:r>
-            <a:r>
-              <a:rPr lang="pt-BR" b="1" dirty="0">
-                <a:ea typeface="+mn-lt"/>
-                <a:cs typeface="+mn-lt"/>
-              </a:rPr>
-              <a:t> for </a:t>
-            </a:r>
-            <a:r>
-              <a:rPr lang="pt-BR" b="1" dirty="0" err="1">
-                <a:ea typeface="+mn-lt"/>
-                <a:cs typeface="+mn-lt"/>
-              </a:rPr>
-              <a:t>the</a:t>
-            </a:r>
-            <a:r>
-              <a:rPr lang="pt-BR" b="1" dirty="0">
-                <a:ea typeface="+mn-lt"/>
-                <a:cs typeface="+mn-lt"/>
-              </a:rPr>
-              <a:t> </a:t>
-            </a:r>
-            <a:r>
-              <a:rPr lang="pt-BR" b="1" dirty="0" err="1">
-                <a:ea typeface="+mn-lt"/>
-                <a:cs typeface="+mn-lt"/>
-              </a:rPr>
-              <a:t>Knight’s</a:t>
-            </a:r>
-            <a:r>
-              <a:rPr lang="pt-BR" b="1" dirty="0">
-                <a:ea typeface="+mn-lt"/>
-                <a:cs typeface="+mn-lt"/>
-              </a:rPr>
-              <a:t> tour problem</a:t>
-            </a:r>
-            <a:r>
-              <a:rPr lang="pt-BR" dirty="0">
-                <a:ea typeface="+mn-lt"/>
-                <a:cs typeface="+mn-lt"/>
-              </a:rPr>
-              <a:t>. Disponível em: &lt;https://core.ac.uk/download/</a:t>
-            </a:r>
-            <a:r>
-              <a:rPr lang="pt-BR" dirty="0" err="1">
-                <a:ea typeface="+mn-lt"/>
-                <a:cs typeface="+mn-lt"/>
-              </a:rPr>
-              <a:t>pdf</a:t>
-            </a:r>
-            <a:r>
-              <a:rPr lang="pt-BR" dirty="0">
-                <a:ea typeface="+mn-lt"/>
-                <a:cs typeface="+mn-lt"/>
-              </a:rPr>
-              <a:t>/81964499.pdf&gt;. Acesso em: 14 maio. 2024.</a:t>
-            </a:r>
-          </a:p>
-          <a:p>
-            <a:r>
-              <a:rPr lang="pt-BR" dirty="0">
-                <a:ea typeface="+mn-lt"/>
-                <a:cs typeface="+mn-lt"/>
-              </a:rPr>
-              <a:t>WIKIPEDIA CONTRIBUTORS. </a:t>
-            </a:r>
-            <a:r>
-              <a:rPr lang="pt-BR" b="1" dirty="0" err="1">
-                <a:ea typeface="+mn-lt"/>
-                <a:cs typeface="+mn-lt"/>
-              </a:rPr>
-              <a:t>Knight’s</a:t>
-            </a:r>
-            <a:r>
-              <a:rPr lang="pt-BR" b="1" dirty="0">
-                <a:ea typeface="+mn-lt"/>
-                <a:cs typeface="+mn-lt"/>
-              </a:rPr>
-              <a:t> tour</a:t>
-            </a:r>
-            <a:r>
-              <a:rPr lang="pt-BR" dirty="0">
-                <a:ea typeface="+mn-lt"/>
-                <a:cs typeface="+mn-lt"/>
-              </a:rPr>
-              <a:t>. Disponível em: &lt;https://en.wikipedia.org/w/</a:t>
-            </a:r>
-            <a:r>
-              <a:rPr lang="pt-BR" dirty="0" err="1">
-                <a:ea typeface="+mn-lt"/>
-                <a:cs typeface="+mn-lt"/>
-              </a:rPr>
-              <a:t>index.php?title</a:t>
-            </a:r>
-            <a:r>
-              <a:rPr lang="pt-BR" dirty="0">
-                <a:ea typeface="+mn-lt"/>
-                <a:cs typeface="+mn-lt"/>
-              </a:rPr>
-              <a:t>=Knight%27s_tour&amp;oldid=1220995933&gt;.</a:t>
-            </a:r>
-            <a:endParaRPr lang="pt-BR" dirty="0"/>
-          </a:p>
-          <a:p>
-            <a:endParaRPr lang="pt-BR" dirty="0"/>
-          </a:p>
-          <a:p>
-            <a:endParaRPr lang="pt-BR" dirty="0"/>
-          </a:p>
-          <a:p>
-            <a:endParaRPr lang="pt-BR" dirty="0"/>
-          </a:p>
-          <a:p>
-            <a:endParaRPr lang="pt-BR" dirty="0"/>
-          </a:p>
-          <a:p>
-            <a:endParaRPr lang="pt-BR" dirty="0"/>
-          </a:p>
-        </p:txBody>
-      </p:sp>
-      <p:sp>
-        <p:nvSpPr>
-          <p:cNvPr id="4" name="Espaço Reservado para Data 3">
-            <a:extLst>
-              <a:ext uri="{FF2B5EF4-FFF2-40B4-BE49-F238E27FC236}">
-                <a16:creationId xmlns:a16="http://schemas.microsoft.com/office/drawing/2014/main" id="{E575A558-438B-6388-C74A-CB3D2C97D3F8}"/>
-              </a:ext>
-            </a:extLst>
-          </p:cNvPr>
-          <p:cNvSpPr>
-            <a:spLocks noGrp="1"/>
-          </p:cNvSpPr>
-          <p:nvPr>
-            <p:ph type="dt" sz="half" idx="10"/>
-          </p:nvPr>
-        </p:nvSpPr>
-        <p:spPr/>
-        <p:txBody>
-          <a:bodyPr/>
-          <a:lstStyle/>
-          <a:p>
-            <a:fld id="{5C0E8BC3-A60E-4E31-8AE4-2BE08893AD21}" type="datetime1">
-              <a:rPr lang="en-US" smtClean="0"/>
-              <a:t>2/12/2025</a:t>
-            </a:fld>
-            <a:endParaRPr lang="en-US"/>
-          </a:p>
-        </p:txBody>
-      </p:sp>
-      <p:sp>
-        <p:nvSpPr>
-          <p:cNvPr id="5" name="Espaço Reservado para Rodapé 4">
-            <a:extLst>
-              <a:ext uri="{FF2B5EF4-FFF2-40B4-BE49-F238E27FC236}">
-                <a16:creationId xmlns:a16="http://schemas.microsoft.com/office/drawing/2014/main" id="{5792529F-47F6-73F8-4E0C-FA5B71473D22}"/>
-              </a:ext>
-            </a:extLst>
-          </p:cNvPr>
-          <p:cNvSpPr>
-            <a:spLocks noGrp="1"/>
-          </p:cNvSpPr>
-          <p:nvPr>
-            <p:ph type="ftr" sz="quarter" idx="11"/>
-          </p:nvPr>
-        </p:nvSpPr>
-        <p:spPr/>
-        <p:txBody>
-          <a:bodyPr/>
-          <a:lstStyle/>
-          <a:p>
-            <a:r>
-              <a:rPr lang="en-US"/>
-              <a:t>
-              </a:t>
-            </a:r>
-          </a:p>
-        </p:txBody>
-      </p:sp>
-      <p:sp>
-        <p:nvSpPr>
-          <p:cNvPr id="6" name="Espaço Reservado para Número de Slide 5">
-            <a:extLst>
-              <a:ext uri="{FF2B5EF4-FFF2-40B4-BE49-F238E27FC236}">
-                <a16:creationId xmlns:a16="http://schemas.microsoft.com/office/drawing/2014/main" id="{6590052F-4EE3-8698-0A10-CB8C4E35A1E4}"/>
-              </a:ext>
-            </a:extLst>
-          </p:cNvPr>
-          <p:cNvSpPr>
-            <a:spLocks noGrp="1"/>
-          </p:cNvSpPr>
-          <p:nvPr>
-            <p:ph type="sldNum" sz="quarter" idx="12"/>
-          </p:nvPr>
-        </p:nvSpPr>
-        <p:spPr/>
-        <p:txBody>
-          <a:bodyPr/>
-          <a:lstStyle/>
-          <a:p>
-            <a:fld id="{E30AF5A0-43BB-4336-8627-9123B9144D80}" type="slidenum">
-              <a:rPr lang="en-US" smtClean="0"/>
-              <a:t>6</a:t>
-            </a:fld>
-            <a:endParaRPr lang="en-US"/>
-          </a:p>
-        </p:txBody>
-      </p:sp>
-    </p:spTree>
-    <p:extLst>
-      <p:ext uri="{BB962C8B-B14F-4D97-AF65-F5344CB8AC3E}">
-        <p14:creationId xmlns:p14="http://schemas.microsoft.com/office/powerpoint/2010/main" val="2097304172"/>
-      </p:ext>
-    </p:extLst>
-  </p:cSld>
-  <p:clrMapOvr>
-    <a:masterClrMapping/>
-  </p:clrMapOvr>
-</p:sld>
-</file>
-
-<file path=ppt/slides/slide7.xml><?xml version="1.0" encoding="utf-8"?>
-<p:sld xmlns:a="http://schemas.openxmlformats.org/drawingml/2006/main" xmlns:r="http://schemas.openxmlformats.org/officeDocument/2006/relationships" xmlns:p="http://schemas.openxmlformats.org/presentationml/2006/main">
-  <p:cSld>
-    <p:spTree>
-      <p:nvGrpSpPr>
-        <p:cNvPr id="1" name=""/>
-        <p:cNvGrpSpPr/>
-        <p:nvPr/>
-      </p:nvGrpSpPr>
-      <p:grpSpPr>
-        <a:xfrm>
-          <a:off x="0" y="0"/>
-          <a:ext cx="0" cy="0"/>
-          <a:chOff x="0" y="0"/>
-          <a:chExt cx="0" cy="0"/>
-        </a:xfrm>
-      </p:grpSpPr>
-      <p:sp>
-        <p:nvSpPr>
-          <p:cNvPr id="2" name="Título 1">
-            <a:extLst>
-              <a:ext uri="{FF2B5EF4-FFF2-40B4-BE49-F238E27FC236}">
                 <a16:creationId xmlns:a16="http://schemas.microsoft.com/office/drawing/2014/main" id="{B1F35A36-4B8A-CC21-A7B3-D24FC5357485}"/>
               </a:ext>
             </a:extLst>
@@ -8846,7 +8621,7 @@
           <a:p>
             <a:fld id="{8ADC9E49-246E-484A-926C-3041536DB8F7}" type="datetime1">
               <a:rPr lang="en-US" smtClean="0"/>
-              <a:t>2/12/2025</a:t>
+              <a:t>2/13/2025</a:t>
             </a:fld>
             <a:endParaRPr lang="en-US"/>
           </a:p>
@@ -8904,7 +8679,7 @@
           <a:p>
             <a:fld id="{196A61CA-0502-4EE4-9724-96EA822543E5}" type="slidenum">
               <a:rPr lang="en-US" smtClean="0"/>
-              <a:t>7</a:t>
+              <a:t>9</a:t>
             </a:fld>
             <a:endParaRPr lang="en-US"/>
           </a:p>

--- a/documents/Presentation.pptx
+++ b/documents/Presentation.pptx
@@ -7159,7 +7159,7 @@
                 <a:ea typeface="+mn-lt"/>
                 <a:cs typeface="+mn-lt"/>
               </a:rPr>
-              <a:t>Busca Local Melhor - MLSB</a:t>
+              <a:t>Busca Local Melhor - BLM - MLSB</a:t>
             </a:r>
             <a:endParaRPr lang="pt-BR" dirty="0"/>
           </a:p>
@@ -7169,7 +7169,7 @@
                 <a:ea typeface="+mn-lt"/>
                 <a:cs typeface="+mn-lt"/>
               </a:rPr>
-              <a:t>Busca Local Melhor Melhora -MLSBB</a:t>
+              <a:t>Busca Local Melhor Melhora - BLMM - MLSBB</a:t>
             </a:r>
             <a:endParaRPr lang="pt-BR" dirty="0"/>
           </a:p>
@@ -7179,7 +7179,7 @@
                 <a:ea typeface="+mn-lt"/>
                 <a:cs typeface="+mn-lt"/>
               </a:rPr>
-              <a:t>Busca Local Monótona Randomizada - NMLRS</a:t>
+              <a:t>Busca Local Monótona Randomizada - BLMR - NMLRS</a:t>
             </a:r>
             <a:endParaRPr lang="pt-BR" dirty="0"/>
           </a:p>

--- a/documents/Presentation.pptx
+++ b/documents/Presentation.pptx
@@ -7155,33 +7155,45 @@
           <a:lstStyle/>
           <a:p>
             <a:r>
-              <a:rPr lang="pt-BR" dirty="0">
+              <a:rPr lang="pt-BR" sz="2400" dirty="0">
+                <a:latin typeface="Times New Roman" panose="02020603050405020304" pitchFamily="18" charset="0"/>
                 <a:ea typeface="+mn-lt"/>
-                <a:cs typeface="+mn-lt"/>
+                <a:cs typeface="Times New Roman" panose="02020603050405020304" pitchFamily="18" charset="0"/>
               </a:rPr>
               <a:t>Busca Local Melhor - BLM - MLSB</a:t>
             </a:r>
-            <a:endParaRPr lang="pt-BR" dirty="0"/>
-          </a:p>
-          <a:p>
-            <a:r>
-              <a:rPr lang="pt-BR" dirty="0">
+            <a:endParaRPr lang="pt-BR" sz="2400" dirty="0">
+              <a:latin typeface="Times New Roman" panose="02020603050405020304" pitchFamily="18" charset="0"/>
+              <a:cs typeface="Times New Roman" panose="02020603050405020304" pitchFamily="18" charset="0"/>
+            </a:endParaRPr>
+          </a:p>
+          <a:p>
+            <a:r>
+              <a:rPr lang="pt-BR" sz="2400" dirty="0">
+                <a:latin typeface="Times New Roman" panose="02020603050405020304" pitchFamily="18" charset="0"/>
                 <a:ea typeface="+mn-lt"/>
-                <a:cs typeface="+mn-lt"/>
+                <a:cs typeface="Times New Roman" panose="02020603050405020304" pitchFamily="18" charset="0"/>
               </a:rPr>
               <a:t>Busca Local Melhor Melhora - BLMM - MLSBB</a:t>
             </a:r>
-            <a:endParaRPr lang="pt-BR" dirty="0"/>
-          </a:p>
-          <a:p>
-            <a:r>
-              <a:rPr lang="pt-BR" dirty="0">
+            <a:endParaRPr lang="pt-BR" sz="2400" dirty="0">
+              <a:latin typeface="Times New Roman" panose="02020603050405020304" pitchFamily="18" charset="0"/>
+              <a:cs typeface="Times New Roman" panose="02020603050405020304" pitchFamily="18" charset="0"/>
+            </a:endParaRPr>
+          </a:p>
+          <a:p>
+            <a:r>
+              <a:rPr lang="pt-BR" sz="2400" dirty="0">
+                <a:latin typeface="Times New Roman" panose="02020603050405020304" pitchFamily="18" charset="0"/>
                 <a:ea typeface="+mn-lt"/>
-                <a:cs typeface="+mn-lt"/>
+                <a:cs typeface="Times New Roman" panose="02020603050405020304" pitchFamily="18" charset="0"/>
               </a:rPr>
               <a:t>Busca Local Monótona Randomizada - BLMR - NMLRS</a:t>
             </a:r>
-            <a:endParaRPr lang="pt-BR" dirty="0"/>
+            <a:endParaRPr lang="pt-BR" sz="2400" dirty="0">
+              <a:latin typeface="Times New Roman" panose="02020603050405020304" pitchFamily="18" charset="0"/>
+              <a:cs typeface="Times New Roman" panose="02020603050405020304" pitchFamily="18" charset="0"/>
+            </a:endParaRPr>
           </a:p>
           <a:p>
             <a:endParaRPr lang="pt-BR" dirty="0"/>
@@ -7422,34 +7434,215 @@
       </p:sp>
       <p:sp>
         <p:nvSpPr>
-          <p:cNvPr id="7" name="Espaço Reservado para Conteúdo 6">
-            <a:extLst>
-              <a:ext uri="{FF2B5EF4-FFF2-40B4-BE49-F238E27FC236}">
-                <a16:creationId xmlns:a16="http://schemas.microsoft.com/office/drawing/2014/main" id="{DED352AA-0C74-32E6-04BF-3AA7A2B8A861}"/>
-              </a:ext>
-            </a:extLst>
-          </p:cNvPr>
-          <p:cNvSpPr>
-            <a:spLocks noGrp="1"/>
+          <p:cNvPr id="3" name="Rectangle 1">
+            <a:extLst>
+              <a:ext uri="{FF2B5EF4-FFF2-40B4-BE49-F238E27FC236}">
+                <a16:creationId xmlns:a16="http://schemas.microsoft.com/office/drawing/2014/main" id="{B1CF6525-2121-1D0A-C2EE-B2F75CFDB21A}"/>
+              </a:ext>
+            </a:extLst>
+          </p:cNvPr>
+          <p:cNvSpPr>
+            <a:spLocks noGrp="1" noChangeArrowheads="1"/>
           </p:cNvSpPr>
           <p:nvPr>
             <p:ph idx="1"/>
           </p:nvPr>
         </p:nvSpPr>
-        <p:spPr>
+        <p:spPr bwMode="auto">
           <a:xfrm>
-            <a:off x="700635" y="2293126"/>
-            <a:ext cx="10691265" cy="3636088"/>
+            <a:off x="700088" y="2956671"/>
+            <a:ext cx="10066235" cy="2308324"/>
           </a:xfrm>
+          <a:prstGeom prst="rect">
+            <a:avLst/>
+          </a:prstGeom>
+          <a:noFill/>
+          <a:ln>
+            <a:noFill/>
+          </a:ln>
+          <a:effectLst/>
+          <a:extLst>
+            <a:ext uri="{909E8E84-426E-40DD-AFC4-6F175D3DCCD1}">
+              <a14:hiddenFill xmlns:a14="http://schemas.microsoft.com/office/drawing/2010/main">
+                <a:solidFill>
+                  <a:schemeClr val="accent1"/>
+                </a:solidFill>
+              </a14:hiddenFill>
+            </a:ext>
+            <a:ext uri="{91240B29-F687-4F45-9708-019B960494DF}">
+              <a14:hiddenLine xmlns:a14="http://schemas.microsoft.com/office/drawing/2010/main" w="9525">
+                <a:solidFill>
+                  <a:schemeClr val="tx1"/>
+                </a:solidFill>
+                <a:miter lim="800000"/>
+                <a:headEnd/>
+                <a:tailEnd/>
+              </a14:hiddenLine>
+            </a:ext>
+            <a:ext uri="{AF507438-7753-43E0-B8FC-AC1667EBCBE1}">
+              <a14:hiddenEffects xmlns:a14="http://schemas.microsoft.com/office/drawing/2010/main">
+                <a:effectLst>
+                  <a:outerShdw dist="35921" dir="2700000" algn="ctr" rotWithShape="0">
+                    <a:schemeClr val="bg2"/>
+                  </a:outerShdw>
+                </a:effectLst>
+              </a14:hiddenEffects>
+            </a:ext>
+          </a:extLst>
         </p:spPr>
         <p:txBody>
-          <a:bodyPr/>
+          <a:bodyPr vert="horz" wrap="square" lIns="91440" tIns="45720" rIns="91440" bIns="45720" numCol="1" anchor="ctr" anchorCtr="0" compatLnSpc="1">
+            <a:prstTxWarp prst="textNoShape">
+              <a:avLst/>
+            </a:prstTxWarp>
+            <a:spAutoFit/>
+          </a:bodyPr>
           <a:lstStyle/>
           <a:p>
-            <a:pPr marL="0" indent="0">
-              <a:buNone/>
+            <a:pPr marL="0" marR="0" lvl="0" indent="0" algn="l" defTabSz="914400" rtl="0" eaLnBrk="0" fontAlgn="base" latinLnBrk="0" hangingPunct="0">
+              <a:lnSpc>
+                <a:spcPct val="100000"/>
+              </a:lnSpc>
+              <a:spcBef>
+                <a:spcPct val="0"/>
+              </a:spcBef>
+              <a:spcAft>
+                <a:spcPct val="0"/>
+              </a:spcAft>
+              <a:buClrTx/>
+              <a:buSzTx/>
+              <a:buFontTx/>
+              <a:buChar char="•"/>
+              <a:tabLst/>
             </a:pPr>
-            <a:endParaRPr lang="pt-BR" dirty="0"/>
+            <a:r>
+              <a:rPr kumimoji="0" lang="pt-BR" altLang="pt-BR" sz="2400" b="1" i="0" u="none" strike="noStrike" cap="none" normalizeH="0" baseline="0" dirty="0">
+                <a:ln>
+                  <a:noFill/>
+                </a:ln>
+                <a:solidFill>
+                  <a:schemeClr val="tx1"/>
+                </a:solidFill>
+                <a:effectLst/>
+                <a:latin typeface="Times New Roman" panose="02020603050405020304" pitchFamily="18" charset="0"/>
+                <a:cs typeface="Times New Roman" panose="02020603050405020304" pitchFamily="18" charset="0"/>
+              </a:rPr>
+              <a:t>Primeira Melhora:</a:t>
+            </a:r>
+            <a:r>
+              <a:rPr kumimoji="0" lang="pt-BR" altLang="pt-BR" sz="2400" b="0" i="0" u="none" strike="noStrike" cap="none" normalizeH="0" baseline="0" dirty="0">
+                <a:ln>
+                  <a:noFill/>
+                </a:ln>
+                <a:solidFill>
+                  <a:schemeClr val="tx1"/>
+                </a:solidFill>
+                <a:effectLst/>
+                <a:latin typeface="Times New Roman" panose="02020603050405020304" pitchFamily="18" charset="0"/>
+                <a:cs typeface="Times New Roman" panose="02020603050405020304" pitchFamily="18" charset="0"/>
+              </a:rPr>
+              <a:t> Encontra rapidamente a primeira solução melhor, mas pode ser lenta em problemas grandes.</a:t>
+            </a:r>
+          </a:p>
+          <a:p>
+            <a:pPr marL="0" marR="0" lvl="0" indent="0" algn="l" defTabSz="914400" rtl="0" eaLnBrk="0" fontAlgn="base" latinLnBrk="0" hangingPunct="0">
+              <a:lnSpc>
+                <a:spcPct val="100000"/>
+              </a:lnSpc>
+              <a:spcBef>
+                <a:spcPct val="0"/>
+              </a:spcBef>
+              <a:spcAft>
+                <a:spcPct val="0"/>
+              </a:spcAft>
+              <a:buClrTx/>
+              <a:buSzTx/>
+              <a:buFontTx/>
+              <a:buChar char="•"/>
+              <a:tabLst/>
+            </a:pPr>
+            <a:r>
+              <a:rPr kumimoji="0" lang="pt-BR" altLang="pt-BR" sz="2400" b="1" i="0" u="none" strike="noStrike" cap="none" normalizeH="0" baseline="0" dirty="0">
+                <a:ln>
+                  <a:noFill/>
+                </a:ln>
+                <a:solidFill>
+                  <a:schemeClr val="tx1"/>
+                </a:solidFill>
+                <a:effectLst/>
+                <a:latin typeface="Times New Roman" panose="02020603050405020304" pitchFamily="18" charset="0"/>
+                <a:cs typeface="Times New Roman" panose="02020603050405020304" pitchFamily="18" charset="0"/>
+              </a:rPr>
+              <a:t>Melhor Melhora:</a:t>
+            </a:r>
+            <a:r>
+              <a:rPr kumimoji="0" lang="pt-BR" altLang="pt-BR" sz="2400" b="0" i="0" u="none" strike="noStrike" cap="none" normalizeH="0" baseline="0" dirty="0">
+                <a:ln>
+                  <a:noFill/>
+                </a:ln>
+                <a:solidFill>
+                  <a:schemeClr val="tx1"/>
+                </a:solidFill>
+                <a:effectLst/>
+                <a:latin typeface="Times New Roman" panose="02020603050405020304" pitchFamily="18" charset="0"/>
+                <a:cs typeface="Times New Roman" panose="02020603050405020304" pitchFamily="18" charset="0"/>
+              </a:rPr>
+              <a:t> Avalia todas as vizinhanças antes de escolher, sendo mais precisa, porém mais demorada.</a:t>
+            </a:r>
+          </a:p>
+          <a:p>
+            <a:pPr marL="0" marR="0" lvl="0" indent="0" algn="l" defTabSz="914400" rtl="0" eaLnBrk="0" fontAlgn="base" latinLnBrk="0" hangingPunct="0">
+              <a:lnSpc>
+                <a:spcPct val="100000"/>
+              </a:lnSpc>
+              <a:spcBef>
+                <a:spcPct val="0"/>
+              </a:spcBef>
+              <a:spcAft>
+                <a:spcPct val="0"/>
+              </a:spcAft>
+              <a:buClrTx/>
+              <a:buSzTx/>
+              <a:buFontTx/>
+              <a:buChar char="•"/>
+              <a:tabLst/>
+            </a:pPr>
+            <a:r>
+              <a:rPr lang="pt-BR" sz="2400" b="1" i="0" dirty="0">
+                <a:effectLst/>
+                <a:latin typeface="Times New Roman" panose="02020603050405020304" pitchFamily="18" charset="0"/>
+                <a:cs typeface="Times New Roman" panose="02020603050405020304" pitchFamily="18" charset="0"/>
+              </a:rPr>
+              <a:t>Busca Local Monótona Randomizada </a:t>
+            </a:r>
+            <a:r>
+              <a:rPr kumimoji="0" lang="pt-BR" altLang="pt-BR" sz="2400" b="1" i="0" u="none" strike="noStrike" cap="none" normalizeH="0" baseline="0" dirty="0">
+                <a:ln>
+                  <a:noFill/>
+                </a:ln>
+                <a:solidFill>
+                  <a:schemeClr val="tx1"/>
+                </a:solidFill>
+                <a:effectLst/>
+                <a:latin typeface="Times New Roman" panose="02020603050405020304" pitchFamily="18" charset="0"/>
+                <a:cs typeface="Times New Roman" panose="02020603050405020304" pitchFamily="18" charset="0"/>
+              </a:rPr>
+              <a:t>:</a:t>
+            </a:r>
+            <a:r>
+              <a:rPr kumimoji="0" lang="pt-BR" altLang="pt-BR" sz="2400" b="0" i="0" u="none" strike="noStrike" cap="none" normalizeH="0" baseline="0" dirty="0">
+                <a:ln>
+                  <a:noFill/>
+                </a:ln>
+                <a:solidFill>
+                  <a:schemeClr val="tx1"/>
+                </a:solidFill>
+                <a:effectLst/>
+                <a:latin typeface="Times New Roman" panose="02020603050405020304" pitchFamily="18" charset="0"/>
+                <a:cs typeface="Times New Roman" panose="02020603050405020304" pitchFamily="18" charset="0"/>
+              </a:rPr>
+              <a:t> Explora aleatoriamente a vizinhança, podendo escapar de ótimos locais e variar em número de iterações. a</a:t>
+            </a:r>
           </a:p>
         </p:txBody>
       </p:sp>
@@ -7612,34 +7805,215 @@
       </p:sp>
       <p:sp>
         <p:nvSpPr>
-          <p:cNvPr id="7" name="Espaço Reservado para Conteúdo 6">
-            <a:extLst>
-              <a:ext uri="{FF2B5EF4-FFF2-40B4-BE49-F238E27FC236}">
-                <a16:creationId xmlns:a16="http://schemas.microsoft.com/office/drawing/2014/main" id="{FF8A6195-1FF9-9688-CF0E-98A9D8886699}"/>
-              </a:ext>
-            </a:extLst>
-          </p:cNvPr>
-          <p:cNvSpPr>
-            <a:spLocks noGrp="1"/>
+          <p:cNvPr id="8" name="Rectangle 2">
+            <a:extLst>
+              <a:ext uri="{FF2B5EF4-FFF2-40B4-BE49-F238E27FC236}">
+                <a16:creationId xmlns:a16="http://schemas.microsoft.com/office/drawing/2014/main" id="{AE58140E-A7D2-9337-7A88-AF4BE8612468}"/>
+              </a:ext>
+            </a:extLst>
+          </p:cNvPr>
+          <p:cNvSpPr>
+            <a:spLocks noGrp="1" noChangeArrowheads="1"/>
           </p:cNvSpPr>
           <p:nvPr>
             <p:ph idx="1"/>
           </p:nvPr>
         </p:nvSpPr>
-        <p:spPr>
+        <p:spPr bwMode="auto">
           <a:xfrm>
-            <a:off x="700635" y="2293126"/>
-            <a:ext cx="10691265" cy="3636088"/>
+            <a:off x="700088" y="2956670"/>
+            <a:ext cx="10479189" cy="2308324"/>
           </a:xfrm>
+          <a:prstGeom prst="rect">
+            <a:avLst/>
+          </a:prstGeom>
+          <a:noFill/>
+          <a:ln>
+            <a:noFill/>
+          </a:ln>
+          <a:effectLst/>
+          <a:extLst>
+            <a:ext uri="{909E8E84-426E-40DD-AFC4-6F175D3DCCD1}">
+              <a14:hiddenFill xmlns:a14="http://schemas.microsoft.com/office/drawing/2010/main">
+                <a:solidFill>
+                  <a:schemeClr val="accent1"/>
+                </a:solidFill>
+              </a14:hiddenFill>
+            </a:ext>
+            <a:ext uri="{91240B29-F687-4F45-9708-019B960494DF}">
+              <a14:hiddenLine xmlns:a14="http://schemas.microsoft.com/office/drawing/2010/main" w="9525">
+                <a:solidFill>
+                  <a:schemeClr val="tx1"/>
+                </a:solidFill>
+                <a:miter lim="800000"/>
+                <a:headEnd/>
+                <a:tailEnd/>
+              </a14:hiddenLine>
+            </a:ext>
+            <a:ext uri="{AF507438-7753-43E0-B8FC-AC1667EBCBE1}">
+              <a14:hiddenEffects xmlns:a14="http://schemas.microsoft.com/office/drawing/2010/main">
+                <a:effectLst>
+                  <a:outerShdw dist="35921" dir="2700000" algn="ctr" rotWithShape="0">
+                    <a:schemeClr val="bg2"/>
+                  </a:outerShdw>
+                </a:effectLst>
+              </a14:hiddenEffects>
+            </a:ext>
+          </a:extLst>
         </p:spPr>
         <p:txBody>
-          <a:bodyPr/>
+          <a:bodyPr vert="horz" wrap="square" lIns="91440" tIns="45720" rIns="91440" bIns="45720" numCol="1" anchor="ctr" anchorCtr="0" compatLnSpc="1">
+            <a:prstTxWarp prst="textNoShape">
+              <a:avLst/>
+            </a:prstTxWarp>
+            <a:spAutoFit/>
+          </a:bodyPr>
           <a:lstStyle/>
           <a:p>
-            <a:pPr marL="0" indent="0">
-              <a:buNone/>
+            <a:pPr marL="0" marR="0" lvl="0" indent="0" algn="l" defTabSz="914400" rtl="0" eaLnBrk="0" fontAlgn="base" latinLnBrk="0" hangingPunct="0">
+              <a:lnSpc>
+                <a:spcPct val="100000"/>
+              </a:lnSpc>
+              <a:spcBef>
+                <a:spcPct val="0"/>
+              </a:spcBef>
+              <a:spcAft>
+                <a:spcPct val="0"/>
+              </a:spcAft>
+              <a:buClrTx/>
+              <a:buSzTx/>
+              <a:buFontTx/>
+              <a:buChar char="•"/>
+              <a:tabLst/>
             </a:pPr>
-            <a:endParaRPr lang="pt-BR" dirty="0"/>
+            <a:r>
+              <a:rPr kumimoji="0" lang="pt-BR" altLang="pt-BR" sz="2400" b="1" i="0" u="none" strike="noStrike" cap="none" normalizeH="0" baseline="0" dirty="0">
+                <a:ln>
+                  <a:noFill/>
+                </a:ln>
+                <a:solidFill>
+                  <a:schemeClr val="tx1"/>
+                </a:solidFill>
+                <a:effectLst/>
+                <a:latin typeface="Times New Roman" panose="02020603050405020304" pitchFamily="18" charset="0"/>
+                <a:cs typeface="Times New Roman" panose="02020603050405020304" pitchFamily="18" charset="0"/>
+              </a:rPr>
+              <a:t>Melhor Melhora:</a:t>
+            </a:r>
+            <a:r>
+              <a:rPr kumimoji="0" lang="pt-BR" altLang="pt-BR" sz="2400" b="0" i="0" u="none" strike="noStrike" cap="none" normalizeH="0" baseline="0" dirty="0">
+                <a:ln>
+                  <a:noFill/>
+                </a:ln>
+                <a:solidFill>
+                  <a:schemeClr val="tx1"/>
+                </a:solidFill>
+                <a:effectLst/>
+                <a:latin typeface="Times New Roman" panose="02020603050405020304" pitchFamily="18" charset="0"/>
+                <a:cs typeface="Times New Roman" panose="02020603050405020304" pitchFamily="18" charset="0"/>
+              </a:rPr>
+              <a:t> Demora mais, pois avalia todas as soluções vizinhas antes de escolher a melhor.</a:t>
+            </a:r>
+          </a:p>
+          <a:p>
+            <a:pPr marL="0" marR="0" lvl="0" indent="0" algn="l" defTabSz="914400" rtl="0" eaLnBrk="0" fontAlgn="base" latinLnBrk="0" hangingPunct="0">
+              <a:lnSpc>
+                <a:spcPct val="100000"/>
+              </a:lnSpc>
+              <a:spcBef>
+                <a:spcPct val="0"/>
+              </a:spcBef>
+              <a:spcAft>
+                <a:spcPct val="0"/>
+              </a:spcAft>
+              <a:buClrTx/>
+              <a:buSzTx/>
+              <a:buFontTx/>
+              <a:buChar char="•"/>
+              <a:tabLst/>
+            </a:pPr>
+            <a:r>
+              <a:rPr kumimoji="0" lang="pt-BR" altLang="pt-BR" sz="2400" b="1" i="0" u="none" strike="noStrike" cap="none" normalizeH="0" baseline="0" dirty="0">
+                <a:ln>
+                  <a:noFill/>
+                </a:ln>
+                <a:solidFill>
+                  <a:schemeClr val="tx1"/>
+                </a:solidFill>
+                <a:effectLst/>
+                <a:latin typeface="Times New Roman" panose="02020603050405020304" pitchFamily="18" charset="0"/>
+                <a:cs typeface="Times New Roman" panose="02020603050405020304" pitchFamily="18" charset="0"/>
+              </a:rPr>
+              <a:t>Primeira Melhora:</a:t>
+            </a:r>
+            <a:r>
+              <a:rPr kumimoji="0" lang="pt-BR" altLang="pt-BR" sz="2400" b="0" i="0" u="none" strike="noStrike" cap="none" normalizeH="0" baseline="0" dirty="0">
+                <a:ln>
+                  <a:noFill/>
+                </a:ln>
+                <a:solidFill>
+                  <a:schemeClr val="tx1"/>
+                </a:solidFill>
+                <a:effectLst/>
+                <a:latin typeface="Times New Roman" panose="02020603050405020304" pitchFamily="18" charset="0"/>
+                <a:cs typeface="Times New Roman" panose="02020603050405020304" pitchFamily="18" charset="0"/>
+              </a:rPr>
+              <a:t> Mais rápida, pois para na primeira melhoria encontrada.</a:t>
+            </a:r>
+          </a:p>
+          <a:p>
+            <a:pPr marL="0" marR="0" lvl="0" indent="0" algn="l" defTabSz="914400" rtl="0" eaLnBrk="0" fontAlgn="base" latinLnBrk="0" hangingPunct="0">
+              <a:lnSpc>
+                <a:spcPct val="100000"/>
+              </a:lnSpc>
+              <a:spcBef>
+                <a:spcPct val="0"/>
+              </a:spcBef>
+              <a:spcAft>
+                <a:spcPct val="0"/>
+              </a:spcAft>
+              <a:buClrTx/>
+              <a:buSzTx/>
+              <a:buFontTx/>
+              <a:buChar char="•"/>
+              <a:tabLst/>
+            </a:pPr>
+            <a:r>
+              <a:rPr lang="pt-BR" sz="2400" b="1" i="0" dirty="0">
+                <a:effectLst/>
+                <a:latin typeface="Times New Roman" panose="02020603050405020304" pitchFamily="18" charset="0"/>
+                <a:cs typeface="Times New Roman" panose="02020603050405020304" pitchFamily="18" charset="0"/>
+              </a:rPr>
+              <a:t>Busca Local Monótona Randomizada </a:t>
+            </a:r>
+            <a:r>
+              <a:rPr kumimoji="0" lang="pt-BR" altLang="pt-BR" sz="2400" b="1" i="0" u="none" strike="noStrike" cap="none" normalizeH="0" baseline="0" dirty="0">
+                <a:ln>
+                  <a:noFill/>
+                </a:ln>
+                <a:solidFill>
+                  <a:schemeClr val="tx1"/>
+                </a:solidFill>
+                <a:effectLst/>
+                <a:latin typeface="Times New Roman" panose="02020603050405020304" pitchFamily="18" charset="0"/>
+                <a:cs typeface="Times New Roman" panose="02020603050405020304" pitchFamily="18" charset="0"/>
+              </a:rPr>
+              <a:t>:</a:t>
+            </a:r>
+            <a:r>
+              <a:rPr kumimoji="0" lang="pt-BR" altLang="pt-BR" sz="2400" b="0" i="0" u="none" strike="noStrike" cap="none" normalizeH="0" baseline="0" dirty="0">
+                <a:ln>
+                  <a:noFill/>
+                </a:ln>
+                <a:solidFill>
+                  <a:schemeClr val="tx1"/>
+                </a:solidFill>
+                <a:effectLst/>
+                <a:latin typeface="Times New Roman" panose="02020603050405020304" pitchFamily="18" charset="0"/>
+                <a:cs typeface="Times New Roman" panose="02020603050405020304" pitchFamily="18" charset="0"/>
+              </a:rPr>
+              <a:t> Tempo de execução variável, mas tende a ser mais rápido que a Melhor Melhora, pois não avalia exaustivamente todas as opções. </a:t>
+            </a:r>
           </a:p>
         </p:txBody>
       </p:sp>
@@ -7796,34 +8170,215 @@
       </p:sp>
       <p:sp>
         <p:nvSpPr>
-          <p:cNvPr id="7" name="Espaço Reservado para Conteúdo 6">
-            <a:extLst>
-              <a:ext uri="{FF2B5EF4-FFF2-40B4-BE49-F238E27FC236}">
-                <a16:creationId xmlns:a16="http://schemas.microsoft.com/office/drawing/2014/main" id="{9B9F8992-D248-D35E-D60A-1D0BF65B710A}"/>
-              </a:ext>
-            </a:extLst>
-          </p:cNvPr>
-          <p:cNvSpPr>
-            <a:spLocks noGrp="1"/>
+          <p:cNvPr id="8" name="Rectangle 2">
+            <a:extLst>
+              <a:ext uri="{FF2B5EF4-FFF2-40B4-BE49-F238E27FC236}">
+                <a16:creationId xmlns:a16="http://schemas.microsoft.com/office/drawing/2014/main" id="{C4EEE07F-F782-C4BB-9EBB-BDD2199B28BB}"/>
+              </a:ext>
+            </a:extLst>
+          </p:cNvPr>
+          <p:cNvSpPr>
+            <a:spLocks noGrp="1" noChangeArrowheads="1"/>
           </p:cNvSpPr>
           <p:nvPr>
             <p:ph idx="1"/>
           </p:nvPr>
         </p:nvSpPr>
-        <p:spPr>
+        <p:spPr bwMode="auto">
           <a:xfrm>
-            <a:off x="700635" y="2293126"/>
-            <a:ext cx="10691265" cy="3636088"/>
+            <a:off x="700088" y="2956670"/>
+            <a:ext cx="10261954" cy="2308324"/>
           </a:xfrm>
+          <a:prstGeom prst="rect">
+            <a:avLst/>
+          </a:prstGeom>
+          <a:noFill/>
+          <a:ln>
+            <a:noFill/>
+          </a:ln>
+          <a:effectLst/>
+          <a:extLst>
+            <a:ext uri="{909E8E84-426E-40DD-AFC4-6F175D3DCCD1}">
+              <a14:hiddenFill xmlns:a14="http://schemas.microsoft.com/office/drawing/2010/main">
+                <a:solidFill>
+                  <a:schemeClr val="accent1"/>
+                </a:solidFill>
+              </a14:hiddenFill>
+            </a:ext>
+            <a:ext uri="{91240B29-F687-4F45-9708-019B960494DF}">
+              <a14:hiddenLine xmlns:a14="http://schemas.microsoft.com/office/drawing/2010/main" w="9525">
+                <a:solidFill>
+                  <a:schemeClr val="tx1"/>
+                </a:solidFill>
+                <a:miter lim="800000"/>
+                <a:headEnd/>
+                <a:tailEnd/>
+              </a14:hiddenLine>
+            </a:ext>
+            <a:ext uri="{AF507438-7753-43E0-B8FC-AC1667EBCBE1}">
+              <a14:hiddenEffects xmlns:a14="http://schemas.microsoft.com/office/drawing/2010/main">
+                <a:effectLst>
+                  <a:outerShdw dist="35921" dir="2700000" algn="ctr" rotWithShape="0">
+                    <a:schemeClr val="bg2"/>
+                  </a:outerShdw>
+                </a:effectLst>
+              </a14:hiddenEffects>
+            </a:ext>
+          </a:extLst>
         </p:spPr>
         <p:txBody>
-          <a:bodyPr/>
+          <a:bodyPr vert="horz" wrap="square" lIns="91440" tIns="45720" rIns="91440" bIns="45720" numCol="1" anchor="ctr" anchorCtr="0" compatLnSpc="1">
+            <a:prstTxWarp prst="textNoShape">
+              <a:avLst/>
+            </a:prstTxWarp>
+            <a:spAutoFit/>
+          </a:bodyPr>
           <a:lstStyle/>
           <a:p>
-            <a:pPr marL="0" indent="0">
-              <a:buNone/>
+            <a:pPr marL="0" marR="0" lvl="0" indent="0" algn="l" defTabSz="914400" rtl="0" eaLnBrk="0" fontAlgn="base" latinLnBrk="0" hangingPunct="0">
+              <a:lnSpc>
+                <a:spcPct val="100000"/>
+              </a:lnSpc>
+              <a:spcBef>
+                <a:spcPct val="0"/>
+              </a:spcBef>
+              <a:spcAft>
+                <a:spcPct val="0"/>
+              </a:spcAft>
+              <a:buClrTx/>
+              <a:buSzTx/>
+              <a:buFontTx/>
+              <a:buChar char="•"/>
+              <a:tabLst/>
             </a:pPr>
-            <a:endParaRPr lang="pt-BR" dirty="0"/>
+            <a:r>
+              <a:rPr kumimoji="0" lang="pt-BR" altLang="pt-BR" sz="2400" b="1" i="0" u="none" strike="noStrike" cap="none" normalizeH="0" baseline="0" dirty="0">
+                <a:ln>
+                  <a:noFill/>
+                </a:ln>
+                <a:solidFill>
+                  <a:schemeClr val="tx1"/>
+                </a:solidFill>
+                <a:effectLst/>
+                <a:latin typeface="Times New Roman" panose="02020603050405020304" pitchFamily="18" charset="0"/>
+                <a:cs typeface="Times New Roman" panose="02020603050405020304" pitchFamily="18" charset="0"/>
+              </a:rPr>
+              <a:t>Melhor Melhora:</a:t>
+            </a:r>
+            <a:r>
+              <a:rPr kumimoji="0" lang="pt-BR" altLang="pt-BR" sz="2400" b="0" i="0" u="none" strike="noStrike" cap="none" normalizeH="0" baseline="0" dirty="0">
+                <a:ln>
+                  <a:noFill/>
+                </a:ln>
+                <a:solidFill>
+                  <a:schemeClr val="tx1"/>
+                </a:solidFill>
+                <a:effectLst/>
+                <a:latin typeface="Times New Roman" panose="02020603050405020304" pitchFamily="18" charset="0"/>
+                <a:cs typeface="Times New Roman" panose="02020603050405020304" pitchFamily="18" charset="0"/>
+              </a:rPr>
+              <a:t> Encontra soluções de melhor qualidade, pois avalia todas as opções antes de escolher.</a:t>
+            </a:r>
+          </a:p>
+          <a:p>
+            <a:pPr marL="0" marR="0" lvl="0" indent="0" algn="l" defTabSz="914400" rtl="0" eaLnBrk="0" fontAlgn="base" latinLnBrk="0" hangingPunct="0">
+              <a:lnSpc>
+                <a:spcPct val="100000"/>
+              </a:lnSpc>
+              <a:spcBef>
+                <a:spcPct val="0"/>
+              </a:spcBef>
+              <a:spcAft>
+                <a:spcPct val="0"/>
+              </a:spcAft>
+              <a:buClrTx/>
+              <a:buSzTx/>
+              <a:buFontTx/>
+              <a:buChar char="•"/>
+              <a:tabLst/>
+            </a:pPr>
+            <a:r>
+              <a:rPr kumimoji="0" lang="pt-BR" altLang="pt-BR" sz="2400" b="1" i="0" u="none" strike="noStrike" cap="none" normalizeH="0" baseline="0" dirty="0">
+                <a:ln>
+                  <a:noFill/>
+                </a:ln>
+                <a:solidFill>
+                  <a:schemeClr val="tx1"/>
+                </a:solidFill>
+                <a:effectLst/>
+                <a:latin typeface="Times New Roman" panose="02020603050405020304" pitchFamily="18" charset="0"/>
+                <a:cs typeface="Times New Roman" panose="02020603050405020304" pitchFamily="18" charset="0"/>
+              </a:rPr>
+              <a:t>Primeira Melhora:</a:t>
+            </a:r>
+            <a:r>
+              <a:rPr kumimoji="0" lang="pt-BR" altLang="pt-BR" sz="2400" b="0" i="0" u="none" strike="noStrike" cap="none" normalizeH="0" baseline="0" dirty="0">
+                <a:ln>
+                  <a:noFill/>
+                </a:ln>
+                <a:solidFill>
+                  <a:schemeClr val="tx1"/>
+                </a:solidFill>
+                <a:effectLst/>
+                <a:latin typeface="Times New Roman" panose="02020603050405020304" pitchFamily="18" charset="0"/>
+                <a:cs typeface="Times New Roman" panose="02020603050405020304" pitchFamily="18" charset="0"/>
+              </a:rPr>
+              <a:t> Encontra soluções rapidamente, mas sem garantia de máxima qualidade.</a:t>
+            </a:r>
+          </a:p>
+          <a:p>
+            <a:pPr marL="0" marR="0" lvl="0" indent="0" algn="l" defTabSz="914400" rtl="0" eaLnBrk="0" fontAlgn="base" latinLnBrk="0" hangingPunct="0">
+              <a:lnSpc>
+                <a:spcPct val="100000"/>
+              </a:lnSpc>
+              <a:spcBef>
+                <a:spcPct val="0"/>
+              </a:spcBef>
+              <a:spcAft>
+                <a:spcPct val="0"/>
+              </a:spcAft>
+              <a:buClrTx/>
+              <a:buSzTx/>
+              <a:buFontTx/>
+              <a:buChar char="•"/>
+              <a:tabLst/>
+            </a:pPr>
+            <a:r>
+              <a:rPr lang="pt-BR" sz="2400" b="1" i="0" dirty="0">
+                <a:effectLst/>
+                <a:latin typeface="Times New Roman" panose="02020603050405020304" pitchFamily="18" charset="0"/>
+                <a:cs typeface="Times New Roman" panose="02020603050405020304" pitchFamily="18" charset="0"/>
+              </a:rPr>
+              <a:t>Busca Local Monótona Randomizada </a:t>
+            </a:r>
+            <a:r>
+              <a:rPr kumimoji="0" lang="pt-BR" altLang="pt-BR" sz="2400" b="1" i="0" u="none" strike="noStrike" cap="none" normalizeH="0" baseline="0" dirty="0">
+                <a:ln>
+                  <a:noFill/>
+                </a:ln>
+                <a:solidFill>
+                  <a:schemeClr val="tx1"/>
+                </a:solidFill>
+                <a:effectLst/>
+                <a:latin typeface="Times New Roman" panose="02020603050405020304" pitchFamily="18" charset="0"/>
+                <a:cs typeface="Times New Roman" panose="02020603050405020304" pitchFamily="18" charset="0"/>
+              </a:rPr>
+              <a:t>:</a:t>
+            </a:r>
+            <a:r>
+              <a:rPr kumimoji="0" lang="pt-BR" altLang="pt-BR" sz="2400" b="0" i="0" u="none" strike="noStrike" cap="none" normalizeH="0" baseline="0" dirty="0">
+                <a:ln>
+                  <a:noFill/>
+                </a:ln>
+                <a:solidFill>
+                  <a:schemeClr val="tx1"/>
+                </a:solidFill>
+                <a:effectLst/>
+                <a:latin typeface="Times New Roman" panose="02020603050405020304" pitchFamily="18" charset="0"/>
+                <a:cs typeface="Times New Roman" panose="02020603050405020304" pitchFamily="18" charset="0"/>
+              </a:rPr>
+              <a:t> Resultados variáveis, mas pode alcançar boas soluções devido à exploração mais ampla. </a:t>
+            </a:r>
           </a:p>
         </p:txBody>
       </p:sp>
@@ -7980,34 +8535,183 @@
       </p:sp>
       <p:sp>
         <p:nvSpPr>
-          <p:cNvPr id="7" name="Espaço Reservado para Conteúdo 6">
-            <a:extLst>
-              <a:ext uri="{FF2B5EF4-FFF2-40B4-BE49-F238E27FC236}">
-                <a16:creationId xmlns:a16="http://schemas.microsoft.com/office/drawing/2014/main" id="{FC24C856-D7FB-8623-F8CE-246DCAC10CCA}"/>
-              </a:ext>
-            </a:extLst>
-          </p:cNvPr>
-          <p:cNvSpPr>
-            <a:spLocks noGrp="1"/>
+          <p:cNvPr id="9" name="Rectangle 3">
+            <a:extLst>
+              <a:ext uri="{FF2B5EF4-FFF2-40B4-BE49-F238E27FC236}">
+                <a16:creationId xmlns:a16="http://schemas.microsoft.com/office/drawing/2014/main" id="{8BF725A4-93D3-2C8A-58E6-CD6D409ED95E}"/>
+              </a:ext>
+            </a:extLst>
+          </p:cNvPr>
+          <p:cNvSpPr>
+            <a:spLocks noGrp="1" noChangeArrowheads="1"/>
           </p:cNvSpPr>
           <p:nvPr>
             <p:ph idx="1"/>
           </p:nvPr>
         </p:nvSpPr>
-        <p:spPr>
+        <p:spPr bwMode="auto">
           <a:xfrm>
-            <a:off x="700635" y="2293126"/>
-            <a:ext cx="10691265" cy="3636088"/>
+            <a:off x="700088" y="3326001"/>
+            <a:ext cx="10432370" cy="1569660"/>
           </a:xfrm>
+          <a:prstGeom prst="rect">
+            <a:avLst/>
+          </a:prstGeom>
+          <a:noFill/>
+          <a:ln>
+            <a:noFill/>
+          </a:ln>
+          <a:effectLst/>
+          <a:extLst>
+            <a:ext uri="{909E8E84-426E-40DD-AFC4-6F175D3DCCD1}">
+              <a14:hiddenFill xmlns:a14="http://schemas.microsoft.com/office/drawing/2010/main">
+                <a:solidFill>
+                  <a:schemeClr val="accent1"/>
+                </a:solidFill>
+              </a14:hiddenFill>
+            </a:ext>
+            <a:ext uri="{91240B29-F687-4F45-9708-019B960494DF}">
+              <a14:hiddenLine xmlns:a14="http://schemas.microsoft.com/office/drawing/2010/main" w="9525">
+                <a:solidFill>
+                  <a:schemeClr val="tx1"/>
+                </a:solidFill>
+                <a:miter lim="800000"/>
+                <a:headEnd/>
+                <a:tailEnd/>
+              </a14:hiddenLine>
+            </a:ext>
+            <a:ext uri="{AF507438-7753-43E0-B8FC-AC1667EBCBE1}">
+              <a14:hiddenEffects xmlns:a14="http://schemas.microsoft.com/office/drawing/2010/main">
+                <a:effectLst>
+                  <a:outerShdw dist="35921" dir="2700000" algn="ctr" rotWithShape="0">
+                    <a:schemeClr val="bg2"/>
+                  </a:outerShdw>
+                </a:effectLst>
+              </a14:hiddenEffects>
+            </a:ext>
+          </a:extLst>
         </p:spPr>
         <p:txBody>
-          <a:bodyPr/>
+          <a:bodyPr vert="horz" wrap="square" lIns="91440" tIns="45720" rIns="91440" bIns="45720" numCol="1" anchor="ctr" anchorCtr="0" compatLnSpc="1">
+            <a:prstTxWarp prst="textNoShape">
+              <a:avLst/>
+            </a:prstTxWarp>
+            <a:spAutoFit/>
+          </a:bodyPr>
           <a:lstStyle/>
           <a:p>
-            <a:pPr marL="0" indent="0">
-              <a:buNone/>
+            <a:pPr marL="0" marR="0" lvl="0" indent="0" algn="l" defTabSz="914400" rtl="0" eaLnBrk="0" fontAlgn="base" latinLnBrk="0" hangingPunct="0">
+              <a:lnSpc>
+                <a:spcPct val="100000"/>
+              </a:lnSpc>
+              <a:spcBef>
+                <a:spcPct val="0"/>
+              </a:spcBef>
+              <a:spcAft>
+                <a:spcPct val="0"/>
+              </a:spcAft>
+              <a:buClrTx/>
+              <a:buSzTx/>
+              <a:buFontTx/>
+              <a:buChar char="•"/>
+              <a:tabLst/>
             </a:pPr>
-            <a:endParaRPr lang="pt-BR" dirty="0"/>
+            <a:r>
+              <a:rPr kumimoji="0" lang="pt-BR" altLang="pt-BR" sz="2400" b="1" i="0" u="none" strike="noStrike" cap="none" normalizeH="0" baseline="0" dirty="0">
+                <a:ln>
+                  <a:noFill/>
+                </a:ln>
+                <a:solidFill>
+                  <a:schemeClr val="tx1"/>
+                </a:solidFill>
+                <a:effectLst/>
+                <a:latin typeface="Arial" panose="020B0604020202020204" pitchFamily="34" charset="0"/>
+              </a:rPr>
+              <a:t>Melhor Melhora:</a:t>
+            </a:r>
+            <a:r>
+              <a:rPr kumimoji="0" lang="pt-BR" altLang="pt-BR" sz="2400" b="0" i="0" u="none" strike="noStrike" cap="none" normalizeH="0" baseline="0" dirty="0">
+                <a:ln>
+                  <a:noFill/>
+                </a:ln>
+                <a:solidFill>
+                  <a:schemeClr val="tx1"/>
+                </a:solidFill>
+                <a:effectLst/>
+                <a:latin typeface="Arial" panose="020B0604020202020204" pitchFamily="34" charset="0"/>
+              </a:rPr>
+              <a:t> Mais eficaz na qualidade, pois avalia todas as soluções possíveis.</a:t>
+            </a:r>
+          </a:p>
+          <a:p>
+            <a:pPr marL="0" marR="0" lvl="0" indent="0" algn="l" defTabSz="914400" rtl="0" eaLnBrk="0" fontAlgn="base" latinLnBrk="0" hangingPunct="0">
+              <a:lnSpc>
+                <a:spcPct val="100000"/>
+              </a:lnSpc>
+              <a:spcBef>
+                <a:spcPct val="0"/>
+              </a:spcBef>
+              <a:spcAft>
+                <a:spcPct val="0"/>
+              </a:spcAft>
+              <a:buClrTx/>
+              <a:buSzTx/>
+              <a:buFontTx/>
+              <a:buChar char="•"/>
+              <a:tabLst/>
+            </a:pPr>
+            <a:r>
+              <a:rPr kumimoji="0" lang="pt-BR" altLang="pt-BR" sz="2400" b="1" i="0" u="none" strike="noStrike" cap="none" normalizeH="0" baseline="0" dirty="0">
+                <a:ln>
+                  <a:noFill/>
+                </a:ln>
+                <a:solidFill>
+                  <a:schemeClr val="tx1"/>
+                </a:solidFill>
+                <a:effectLst/>
+                <a:latin typeface="Arial" panose="020B0604020202020204" pitchFamily="34" charset="0"/>
+              </a:rPr>
+              <a:t>Parâmetros importantes:</a:t>
+            </a:r>
+            <a:r>
+              <a:rPr kumimoji="0" lang="pt-BR" altLang="pt-BR" sz="2400" b="0" i="0" u="none" strike="noStrike" cap="none" normalizeH="0" baseline="0" dirty="0">
+                <a:ln>
+                  <a:noFill/>
+                </a:ln>
+                <a:solidFill>
+                  <a:schemeClr val="tx1"/>
+                </a:solidFill>
+                <a:effectLst/>
+                <a:latin typeface="Arial" panose="020B0604020202020204" pitchFamily="34" charset="0"/>
+              </a:rPr>
+              <a:t> Tamanho da vizinhança, critérios de parada (</a:t>
+            </a:r>
+            <a:r>
+              <a:rPr kumimoji="0" lang="pt-BR" altLang="pt-BR" sz="2400" b="0" i="0" u="none" strike="noStrike" cap="none" normalizeH="0" baseline="0" dirty="0" err="1">
+                <a:ln>
+                  <a:noFill/>
+                </a:ln>
+                <a:solidFill>
+                  <a:schemeClr val="tx1"/>
+                </a:solidFill>
+                <a:effectLst/>
+                <a:latin typeface="Arial" panose="020B0604020202020204" pitchFamily="34" charset="0"/>
+              </a:rPr>
+              <a:t>ex</a:t>
+            </a:r>
+            <a:r>
+              <a:rPr kumimoji="0" lang="pt-BR" altLang="pt-BR" sz="2400" b="0" i="0" u="none" strike="noStrike" cap="none" normalizeH="0" baseline="0" dirty="0">
+                <a:ln>
+                  <a:noFill/>
+                </a:ln>
+                <a:solidFill>
+                  <a:schemeClr val="tx1"/>
+                </a:solidFill>
+                <a:effectLst/>
+                <a:latin typeface="Arial" panose="020B0604020202020204" pitchFamily="34" charset="0"/>
+              </a:rPr>
+              <a:t>: número máximo de iterações ou melhoria mínima). </a:t>
+            </a:r>
           </a:p>
         </p:txBody>
       </p:sp>
@@ -8180,18 +8884,28 @@
         </p:nvSpPr>
         <p:spPr>
           <a:xfrm>
-            <a:off x="700635" y="2293126"/>
-            <a:ext cx="10691265" cy="3636088"/>
+            <a:off x="700634" y="3066143"/>
+            <a:ext cx="10691265" cy="1135874"/>
           </a:xfrm>
         </p:spPr>
         <p:txBody>
-          <a:bodyPr/>
+          <a:bodyPr>
+            <a:normAutofit/>
+          </a:bodyPr>
           <a:lstStyle/>
           <a:p>
-            <a:pPr marL="0" indent="0">
-              <a:buNone/>
-            </a:pPr>
-            <a:endParaRPr lang="pt-BR" dirty="0"/>
+            <a:r>
+              <a:rPr lang="pt-BR" sz="2400" dirty="0"/>
+              <a:t>Para uma solução mais rápida, o </a:t>
+            </a:r>
+            <a:r>
+              <a:rPr lang="pt-BR" sz="2400" b="1" dirty="0"/>
+              <a:t>Primeira Melhora</a:t>
+            </a:r>
+            <a:r>
+              <a:rPr lang="pt-BR" sz="2400" dirty="0"/>
+              <a:t> é a escolha mais eficiente, pois se preocupa em encontrar a primeira melhoria e parar rapidamente.</a:t>
+            </a:r>
           </a:p>
         </p:txBody>
       </p:sp>
